--- a/JavaLecture/LectureFile/java 10강.pptx
+++ b/JavaLecture/LectureFile/java 10강.pptx
@@ -3720,7 +3720,7 @@
           <p:cNvPr id="2" name="TextBox 1">
             <a:extLst>
               <a:ext uri="{FF2B5EF4-FFF2-40B4-BE49-F238E27FC236}">
-                <a16:creationId xmlns:a16="http://schemas.microsoft.com/office/drawing/2014/main" xmlns="" id="{E9A453A8-9968-67AB-7B4A-83EEB4662AA6}"/>
+                <a16:creationId xmlns="" xmlns:a16="http://schemas.microsoft.com/office/drawing/2014/main" id="{E9A453A8-9968-67AB-7B4A-83EEB4662AA6}"/>
               </a:ext>
             </a:extLst>
           </p:cNvPr>
@@ -3768,7 +3768,7 @@
           <p:cNvPr id="4" name="TextBox 3">
             <a:extLst>
               <a:ext uri="{FF2B5EF4-FFF2-40B4-BE49-F238E27FC236}">
-                <a16:creationId xmlns:a16="http://schemas.microsoft.com/office/drawing/2014/main" xmlns="" id="{F4B7A35A-8AAC-4622-64BC-CAD1472D4115}"/>
+                <a16:creationId xmlns="" xmlns:a16="http://schemas.microsoft.com/office/drawing/2014/main" id="{F4B7A35A-8AAC-4622-64BC-CAD1472D4115}"/>
               </a:ext>
             </a:extLst>
           </p:cNvPr>
@@ -3840,7 +3840,7 @@
           <p:cNvPr id="7" name="TextBox 6">
             <a:extLst>
               <a:ext uri="{FF2B5EF4-FFF2-40B4-BE49-F238E27FC236}">
-                <a16:creationId xmlns:a16="http://schemas.microsoft.com/office/drawing/2014/main" xmlns="" id="{3ACE900A-D779-4343-6623-8588B376F0A1}"/>
+                <a16:creationId xmlns="" xmlns:a16="http://schemas.microsoft.com/office/drawing/2014/main" id="{3ACE900A-D779-4343-6623-8588B376F0A1}"/>
               </a:ext>
             </a:extLst>
           </p:cNvPr>
@@ -3935,7 +3935,7 @@
           <p:cNvPr id="5" name="TextBox 4">
             <a:extLst>
               <a:ext uri="{FF2B5EF4-FFF2-40B4-BE49-F238E27FC236}">
-                <a16:creationId xmlns:a16="http://schemas.microsoft.com/office/drawing/2014/main" xmlns="" id="{DF7DDD33-9412-2802-339A-E55446AC2DA7}"/>
+                <a16:creationId xmlns="" xmlns:a16="http://schemas.microsoft.com/office/drawing/2014/main" id="{DF7DDD33-9412-2802-339A-E55446AC2DA7}"/>
               </a:ext>
             </a:extLst>
           </p:cNvPr>
@@ -4107,7 +4107,7 @@
           <p:cNvPr id="4" name="TextBox 3">
             <a:extLst>
               <a:ext uri="{FF2B5EF4-FFF2-40B4-BE49-F238E27FC236}">
-                <a16:creationId xmlns:a16="http://schemas.microsoft.com/office/drawing/2014/main" xmlns="" id="{DF7DDD33-9412-2802-339A-E55446AC2DA7}"/>
+                <a16:creationId xmlns="" xmlns:a16="http://schemas.microsoft.com/office/drawing/2014/main" id="{DF7DDD33-9412-2802-339A-E55446AC2DA7}"/>
               </a:ext>
             </a:extLst>
           </p:cNvPr>
@@ -4179,7 +4179,7 @@
           <p:cNvPr id="6" name="직사각형 5">
             <a:extLst>
               <a:ext uri="{FF2B5EF4-FFF2-40B4-BE49-F238E27FC236}">
-                <a16:creationId xmlns="" xmlns:a16="http://schemas.microsoft.com/office/drawing/2014/main" id="{FFF506F9-840A-0508-4CAF-3AC711D8D5CE}"/>
+                <a16:creationId xmlns:a16="http://schemas.microsoft.com/office/drawing/2014/main" xmlns="" id="{FFF506F9-840A-0508-4CAF-3AC711D8D5CE}"/>
               </a:ext>
             </a:extLst>
           </p:cNvPr>
@@ -4231,7 +4231,7 @@
           <p:cNvPr id="7" name="직선 화살표 연결선 6">
             <a:extLst>
               <a:ext uri="{FF2B5EF4-FFF2-40B4-BE49-F238E27FC236}">
-                <a16:creationId xmlns="" xmlns:a16="http://schemas.microsoft.com/office/drawing/2014/main" id="{299DF5EC-9DF4-5255-06AC-0A7CE4FF58C3}"/>
+                <a16:creationId xmlns:a16="http://schemas.microsoft.com/office/drawing/2014/main" xmlns="" id="{299DF5EC-9DF4-5255-06AC-0A7CE4FF58C3}"/>
               </a:ext>
             </a:extLst>
           </p:cNvPr>
@@ -4272,7 +4272,7 @@
           <p:cNvPr id="8" name="TextBox 7">
             <a:extLst>
               <a:ext uri="{FF2B5EF4-FFF2-40B4-BE49-F238E27FC236}">
-                <a16:creationId xmlns="" xmlns:a16="http://schemas.microsoft.com/office/drawing/2014/main" id="{C6D113C6-EA5C-788F-0C77-E7CE6EBB865F}"/>
+                <a16:creationId xmlns:a16="http://schemas.microsoft.com/office/drawing/2014/main" xmlns="" id="{C6D113C6-EA5C-788F-0C77-E7CE6EBB865F}"/>
               </a:ext>
             </a:extLst>
           </p:cNvPr>
@@ -4364,7 +4364,7 @@
           <p:cNvPr id="12" name="직사각형 11">
             <a:extLst>
               <a:ext uri="{FF2B5EF4-FFF2-40B4-BE49-F238E27FC236}">
-                <a16:creationId xmlns="" xmlns:a16="http://schemas.microsoft.com/office/drawing/2014/main" id="{FFF506F9-840A-0508-4CAF-3AC711D8D5CE}"/>
+                <a16:creationId xmlns:a16="http://schemas.microsoft.com/office/drawing/2014/main" xmlns="" id="{FFF506F9-840A-0508-4CAF-3AC711D8D5CE}"/>
               </a:ext>
             </a:extLst>
           </p:cNvPr>
@@ -4416,7 +4416,7 @@
           <p:cNvPr id="13" name="TextBox 12">
             <a:extLst>
               <a:ext uri="{FF2B5EF4-FFF2-40B4-BE49-F238E27FC236}">
-                <a16:creationId xmlns:a16="http://schemas.microsoft.com/office/drawing/2014/main" xmlns="" id="{DF7DDD33-9412-2802-339A-E55446AC2DA7}"/>
+                <a16:creationId xmlns="" xmlns:a16="http://schemas.microsoft.com/office/drawing/2014/main" id="{DF7DDD33-9412-2802-339A-E55446AC2DA7}"/>
               </a:ext>
             </a:extLst>
           </p:cNvPr>
@@ -4694,7 +4694,7 @@
           <p:cNvPr id="6" name="직사각형 5">
             <a:extLst>
               <a:ext uri="{FF2B5EF4-FFF2-40B4-BE49-F238E27FC236}">
-                <a16:creationId xmlns="" xmlns:a16="http://schemas.microsoft.com/office/drawing/2014/main" id="{FFF506F9-840A-0508-4CAF-3AC711D8D5CE}"/>
+                <a16:creationId xmlns:a16="http://schemas.microsoft.com/office/drawing/2014/main" xmlns="" id="{FFF506F9-840A-0508-4CAF-3AC711D8D5CE}"/>
               </a:ext>
             </a:extLst>
           </p:cNvPr>
@@ -4746,7 +4746,7 @@
           <p:cNvPr id="7" name="직사각형 6">
             <a:extLst>
               <a:ext uri="{FF2B5EF4-FFF2-40B4-BE49-F238E27FC236}">
-                <a16:creationId xmlns="" xmlns:a16="http://schemas.microsoft.com/office/drawing/2014/main" id="{FFF506F9-840A-0508-4CAF-3AC711D8D5CE}"/>
+                <a16:creationId xmlns:a16="http://schemas.microsoft.com/office/drawing/2014/main" xmlns="" id="{FFF506F9-840A-0508-4CAF-3AC711D8D5CE}"/>
               </a:ext>
             </a:extLst>
           </p:cNvPr>
@@ -4798,7 +4798,7 @@
           <p:cNvPr id="8" name="직선 화살표 연결선 7">
             <a:extLst>
               <a:ext uri="{FF2B5EF4-FFF2-40B4-BE49-F238E27FC236}">
-                <a16:creationId xmlns="" xmlns:a16="http://schemas.microsoft.com/office/drawing/2014/main" id="{299DF5EC-9DF4-5255-06AC-0A7CE4FF58C3}"/>
+                <a16:creationId xmlns:a16="http://schemas.microsoft.com/office/drawing/2014/main" xmlns="" id="{299DF5EC-9DF4-5255-06AC-0A7CE4FF58C3}"/>
               </a:ext>
             </a:extLst>
           </p:cNvPr>
@@ -4839,7 +4839,7 @@
           <p:cNvPr id="9" name="TextBox 8">
             <a:extLst>
               <a:ext uri="{FF2B5EF4-FFF2-40B4-BE49-F238E27FC236}">
-                <a16:creationId xmlns="" xmlns:a16="http://schemas.microsoft.com/office/drawing/2014/main" id="{C6D113C6-EA5C-788F-0C77-E7CE6EBB865F}"/>
+                <a16:creationId xmlns:a16="http://schemas.microsoft.com/office/drawing/2014/main" xmlns="" id="{C6D113C6-EA5C-788F-0C77-E7CE6EBB865F}"/>
               </a:ext>
             </a:extLst>
           </p:cNvPr>
@@ -4911,7 +4911,7 @@
           <p:cNvPr id="13" name="직선 화살표 연결선 12">
             <a:extLst>
               <a:ext uri="{FF2B5EF4-FFF2-40B4-BE49-F238E27FC236}">
-                <a16:creationId xmlns="" xmlns:a16="http://schemas.microsoft.com/office/drawing/2014/main" id="{299DF5EC-9DF4-5255-06AC-0A7CE4FF58C3}"/>
+                <a16:creationId xmlns:a16="http://schemas.microsoft.com/office/drawing/2014/main" xmlns="" id="{299DF5EC-9DF4-5255-06AC-0A7CE4FF58C3}"/>
               </a:ext>
             </a:extLst>
           </p:cNvPr>
@@ -4952,7 +4952,7 @@
           <p:cNvPr id="14" name="TextBox 13">
             <a:extLst>
               <a:ext uri="{FF2B5EF4-FFF2-40B4-BE49-F238E27FC236}">
-                <a16:creationId xmlns="" xmlns:a16="http://schemas.microsoft.com/office/drawing/2014/main" id="{C6D113C6-EA5C-788F-0C77-E7CE6EBB865F}"/>
+                <a16:creationId xmlns:a16="http://schemas.microsoft.com/office/drawing/2014/main" xmlns="" id="{C6D113C6-EA5C-788F-0C77-E7CE6EBB865F}"/>
               </a:ext>
             </a:extLst>
           </p:cNvPr>
@@ -5186,7 +5186,7 @@
           <p:cNvPr id="5" name="직사각형 4">
             <a:extLst>
               <a:ext uri="{FF2B5EF4-FFF2-40B4-BE49-F238E27FC236}">
-                <a16:creationId xmlns="" xmlns:a16="http://schemas.microsoft.com/office/drawing/2014/main" id="{FFF506F9-840A-0508-4CAF-3AC711D8D5CE}"/>
+                <a16:creationId xmlns:a16="http://schemas.microsoft.com/office/drawing/2014/main" xmlns="" id="{FFF506F9-840A-0508-4CAF-3AC711D8D5CE}"/>
               </a:ext>
             </a:extLst>
           </p:cNvPr>
@@ -5238,7 +5238,7 @@
           <p:cNvPr id="6" name="TextBox 5">
             <a:extLst>
               <a:ext uri="{FF2B5EF4-FFF2-40B4-BE49-F238E27FC236}">
-                <a16:creationId xmlns:a16="http://schemas.microsoft.com/office/drawing/2014/main" xmlns="" id="{DF7DDD33-9412-2802-339A-E55446AC2DA7}"/>
+                <a16:creationId xmlns="" xmlns:a16="http://schemas.microsoft.com/office/drawing/2014/main" id="{DF7DDD33-9412-2802-339A-E55446AC2DA7}"/>
               </a:ext>
             </a:extLst>
           </p:cNvPr>
@@ -5387,7 +5387,7 @@
           <p:cNvPr id="5" name="TextBox 4">
             <a:extLst>
               <a:ext uri="{FF2B5EF4-FFF2-40B4-BE49-F238E27FC236}">
-                <a16:creationId xmlns:a16="http://schemas.microsoft.com/office/drawing/2014/main" xmlns="" id="{DF7DDD33-9412-2802-339A-E55446AC2DA7}"/>
+                <a16:creationId xmlns="" xmlns:a16="http://schemas.microsoft.com/office/drawing/2014/main" id="{DF7DDD33-9412-2802-339A-E55446AC2DA7}"/>
               </a:ext>
             </a:extLst>
           </p:cNvPr>
@@ -5524,7 +5524,7 @@
           <p:cNvPr id="4" name="TextBox 3">
             <a:extLst>
               <a:ext uri="{FF2B5EF4-FFF2-40B4-BE49-F238E27FC236}">
-                <a16:creationId xmlns:a16="http://schemas.microsoft.com/office/drawing/2014/main" xmlns="" id="{DF7DDD33-9412-2802-339A-E55446AC2DA7}"/>
+                <a16:creationId xmlns="" xmlns:a16="http://schemas.microsoft.com/office/drawing/2014/main" id="{DF7DDD33-9412-2802-339A-E55446AC2DA7}"/>
               </a:ext>
             </a:extLst>
           </p:cNvPr>
@@ -5596,7 +5596,7 @@
           <p:cNvPr id="7" name="직사각형 6">
             <a:extLst>
               <a:ext uri="{FF2B5EF4-FFF2-40B4-BE49-F238E27FC236}">
-                <a16:creationId xmlns="" xmlns:a16="http://schemas.microsoft.com/office/drawing/2014/main" id="{FFF506F9-840A-0508-4CAF-3AC711D8D5CE}"/>
+                <a16:creationId xmlns:a16="http://schemas.microsoft.com/office/drawing/2014/main" xmlns="" id="{FFF506F9-840A-0508-4CAF-3AC711D8D5CE}"/>
               </a:ext>
             </a:extLst>
           </p:cNvPr>
@@ -5648,7 +5648,7 @@
           <p:cNvPr id="8" name="직선 화살표 연결선 7">
             <a:extLst>
               <a:ext uri="{FF2B5EF4-FFF2-40B4-BE49-F238E27FC236}">
-                <a16:creationId xmlns="" xmlns:a16="http://schemas.microsoft.com/office/drawing/2014/main" id="{299DF5EC-9DF4-5255-06AC-0A7CE4FF58C3}"/>
+                <a16:creationId xmlns:a16="http://schemas.microsoft.com/office/drawing/2014/main" xmlns="" id="{299DF5EC-9DF4-5255-06AC-0A7CE4FF58C3}"/>
               </a:ext>
             </a:extLst>
           </p:cNvPr>
@@ -5689,7 +5689,7 @@
           <p:cNvPr id="9" name="TextBox 8">
             <a:extLst>
               <a:ext uri="{FF2B5EF4-FFF2-40B4-BE49-F238E27FC236}">
-                <a16:creationId xmlns="" xmlns:a16="http://schemas.microsoft.com/office/drawing/2014/main" id="{C6D113C6-EA5C-788F-0C77-E7CE6EBB865F}"/>
+                <a16:creationId xmlns:a16="http://schemas.microsoft.com/office/drawing/2014/main" xmlns="" id="{C6D113C6-EA5C-788F-0C77-E7CE6EBB865F}"/>
               </a:ext>
             </a:extLst>
           </p:cNvPr>
@@ -5737,7 +5737,7 @@
           <p:cNvPr id="11" name="직사각형 10">
             <a:extLst>
               <a:ext uri="{FF2B5EF4-FFF2-40B4-BE49-F238E27FC236}">
-                <a16:creationId xmlns="" xmlns:a16="http://schemas.microsoft.com/office/drawing/2014/main" id="{FFF506F9-840A-0508-4CAF-3AC711D8D5CE}"/>
+                <a16:creationId xmlns:a16="http://schemas.microsoft.com/office/drawing/2014/main" xmlns="" id="{FFF506F9-840A-0508-4CAF-3AC711D8D5CE}"/>
               </a:ext>
             </a:extLst>
           </p:cNvPr>
@@ -5789,7 +5789,7 @@
           <p:cNvPr id="12" name="직선 화살표 연결선 11">
             <a:extLst>
               <a:ext uri="{FF2B5EF4-FFF2-40B4-BE49-F238E27FC236}">
-                <a16:creationId xmlns="" xmlns:a16="http://schemas.microsoft.com/office/drawing/2014/main" id="{299DF5EC-9DF4-5255-06AC-0A7CE4FF58C3}"/>
+                <a16:creationId xmlns:a16="http://schemas.microsoft.com/office/drawing/2014/main" xmlns="" id="{299DF5EC-9DF4-5255-06AC-0A7CE4FF58C3}"/>
               </a:ext>
             </a:extLst>
           </p:cNvPr>
@@ -5830,7 +5830,7 @@
           <p:cNvPr id="13" name="TextBox 12">
             <a:extLst>
               <a:ext uri="{FF2B5EF4-FFF2-40B4-BE49-F238E27FC236}">
-                <a16:creationId xmlns="" xmlns:a16="http://schemas.microsoft.com/office/drawing/2014/main" id="{C6D113C6-EA5C-788F-0C77-E7CE6EBB865F}"/>
+                <a16:creationId xmlns:a16="http://schemas.microsoft.com/office/drawing/2014/main" xmlns="" id="{C6D113C6-EA5C-788F-0C77-E7CE6EBB865F}"/>
               </a:ext>
             </a:extLst>
           </p:cNvPr>
@@ -5932,7 +5932,7 @@
           <p:cNvPr id="19" name="직사각형 18">
             <a:extLst>
               <a:ext uri="{FF2B5EF4-FFF2-40B4-BE49-F238E27FC236}">
-                <a16:creationId xmlns="" xmlns:a16="http://schemas.microsoft.com/office/drawing/2014/main" id="{FFF506F9-840A-0508-4CAF-3AC711D8D5CE}"/>
+                <a16:creationId xmlns:a16="http://schemas.microsoft.com/office/drawing/2014/main" xmlns="" id="{FFF506F9-840A-0508-4CAF-3AC711D8D5CE}"/>
               </a:ext>
             </a:extLst>
           </p:cNvPr>
@@ -5984,7 +5984,7 @@
           <p:cNvPr id="20" name="직선 화살표 연결선 19">
             <a:extLst>
               <a:ext uri="{FF2B5EF4-FFF2-40B4-BE49-F238E27FC236}">
-                <a16:creationId xmlns="" xmlns:a16="http://schemas.microsoft.com/office/drawing/2014/main" id="{299DF5EC-9DF4-5255-06AC-0A7CE4FF58C3}"/>
+                <a16:creationId xmlns:a16="http://schemas.microsoft.com/office/drawing/2014/main" xmlns="" id="{299DF5EC-9DF4-5255-06AC-0A7CE4FF58C3}"/>
               </a:ext>
             </a:extLst>
           </p:cNvPr>
@@ -6025,7 +6025,7 @@
           <p:cNvPr id="21" name="TextBox 20">
             <a:extLst>
               <a:ext uri="{FF2B5EF4-FFF2-40B4-BE49-F238E27FC236}">
-                <a16:creationId xmlns="" xmlns:a16="http://schemas.microsoft.com/office/drawing/2014/main" id="{C6D113C6-EA5C-788F-0C77-E7CE6EBB865F}"/>
+                <a16:creationId xmlns:a16="http://schemas.microsoft.com/office/drawing/2014/main" xmlns="" id="{C6D113C6-EA5C-788F-0C77-E7CE6EBB865F}"/>
               </a:ext>
             </a:extLst>
           </p:cNvPr>
@@ -6120,7 +6120,7 @@
           <p:cNvPr id="4" name="TextBox 3">
             <a:extLst>
               <a:ext uri="{FF2B5EF4-FFF2-40B4-BE49-F238E27FC236}">
-                <a16:creationId xmlns:a16="http://schemas.microsoft.com/office/drawing/2014/main" xmlns="" id="{DF7DDD33-9412-2802-339A-E55446AC2DA7}"/>
+                <a16:creationId xmlns="" xmlns:a16="http://schemas.microsoft.com/office/drawing/2014/main" id="{DF7DDD33-9412-2802-339A-E55446AC2DA7}"/>
               </a:ext>
             </a:extLst>
           </p:cNvPr>
@@ -6229,7 +6229,7 @@
           <p:cNvPr id="4" name="TextBox 3">
             <a:extLst>
               <a:ext uri="{FF2B5EF4-FFF2-40B4-BE49-F238E27FC236}">
-                <a16:creationId xmlns:a16="http://schemas.microsoft.com/office/drawing/2014/main" xmlns="" id="{DF7DDD33-9412-2802-339A-E55446AC2DA7}"/>
+                <a16:creationId xmlns="" xmlns:a16="http://schemas.microsoft.com/office/drawing/2014/main" id="{DF7DDD33-9412-2802-339A-E55446AC2DA7}"/>
               </a:ext>
             </a:extLst>
           </p:cNvPr>
@@ -6471,7 +6471,7 @@
           <p:cNvPr id="5" name="TextBox 4">
             <a:extLst>
               <a:ext uri="{FF2B5EF4-FFF2-40B4-BE49-F238E27FC236}">
-                <a16:creationId xmlns:a16="http://schemas.microsoft.com/office/drawing/2014/main" xmlns="" id="{DF7DDD33-9412-2802-339A-E55446AC2DA7}"/>
+                <a16:creationId xmlns="" xmlns:a16="http://schemas.microsoft.com/office/drawing/2014/main" id="{DF7DDD33-9412-2802-339A-E55446AC2DA7}"/>
               </a:ext>
             </a:extLst>
           </p:cNvPr>
@@ -6754,7 +6754,7 @@
           <p:cNvPr id="2" name="TextBox 1">
             <a:extLst>
               <a:ext uri="{FF2B5EF4-FFF2-40B4-BE49-F238E27FC236}">
-                <a16:creationId xmlns:a16="http://schemas.microsoft.com/office/drawing/2014/main" xmlns="" id="{76F36AE5-79B5-0B9F-E510-1C27AAC4B649}"/>
+                <a16:creationId xmlns="" xmlns:a16="http://schemas.microsoft.com/office/drawing/2014/main" id="{76F36AE5-79B5-0B9F-E510-1C27AAC4B649}"/>
               </a:ext>
             </a:extLst>
           </p:cNvPr>
@@ -6839,7 +6839,7 @@
           <p:cNvPr id="4" name="TextBox 3">
             <a:extLst>
               <a:ext uri="{FF2B5EF4-FFF2-40B4-BE49-F238E27FC236}">
-                <a16:creationId xmlns:a16="http://schemas.microsoft.com/office/drawing/2014/main" xmlns="" id="{DF7DDD33-9412-2802-339A-E55446AC2DA7}"/>
+                <a16:creationId xmlns="" xmlns:a16="http://schemas.microsoft.com/office/drawing/2014/main" id="{DF7DDD33-9412-2802-339A-E55446AC2DA7}"/>
               </a:ext>
             </a:extLst>
           </p:cNvPr>
@@ -6980,7 +6980,7 @@
           <p:cNvPr id="59" name="그룹 1018">
             <a:extLst>
               <a:ext uri="{FF2B5EF4-FFF2-40B4-BE49-F238E27FC236}">
-                <a16:creationId xmlns="" xmlns:a16="http://schemas.microsoft.com/office/drawing/2014/main" id="{0804D430-F42E-AE32-A065-FFA8C471F092}"/>
+                <a16:creationId xmlns:a16="http://schemas.microsoft.com/office/drawing/2014/main" xmlns="" id="{0804D430-F42E-AE32-A065-FFA8C471F092}"/>
               </a:ext>
             </a:extLst>
           </p:cNvPr>
@@ -7000,7 +7000,7 @@
             <p:cNvPr id="60" name="Object 61">
               <a:extLst>
                 <a:ext uri="{FF2B5EF4-FFF2-40B4-BE49-F238E27FC236}">
-                  <a16:creationId xmlns="" xmlns:a16="http://schemas.microsoft.com/office/drawing/2014/main" id="{334A4C3A-641C-7CD9-8FEE-5EC92B28D640}"/>
+                  <a16:creationId xmlns:a16="http://schemas.microsoft.com/office/drawing/2014/main" xmlns="" id="{334A4C3A-641C-7CD9-8FEE-5EC92B28D640}"/>
                 </a:ext>
               </a:extLst>
             </p:cNvPr>
@@ -7031,7 +7031,7 @@
           <p:cNvPr id="61" name="그룹 1018">
             <a:extLst>
               <a:ext uri="{FF2B5EF4-FFF2-40B4-BE49-F238E27FC236}">
-                <a16:creationId xmlns="" xmlns:a16="http://schemas.microsoft.com/office/drawing/2014/main" id="{0804D430-F42E-AE32-A065-FFA8C471F092}"/>
+                <a16:creationId xmlns:a16="http://schemas.microsoft.com/office/drawing/2014/main" xmlns="" id="{0804D430-F42E-AE32-A065-FFA8C471F092}"/>
               </a:ext>
             </a:extLst>
           </p:cNvPr>
@@ -7051,7 +7051,7 @@
             <p:cNvPr id="62" name="Object 61">
               <a:extLst>
                 <a:ext uri="{FF2B5EF4-FFF2-40B4-BE49-F238E27FC236}">
-                  <a16:creationId xmlns="" xmlns:a16="http://schemas.microsoft.com/office/drawing/2014/main" id="{334A4C3A-641C-7CD9-8FEE-5EC92B28D640}"/>
+                  <a16:creationId xmlns:a16="http://schemas.microsoft.com/office/drawing/2014/main" xmlns="" id="{334A4C3A-641C-7CD9-8FEE-5EC92B28D640}"/>
                 </a:ext>
               </a:extLst>
             </p:cNvPr>
@@ -7082,7 +7082,7 @@
           <p:cNvPr id="63" name="TextBox 62">
             <a:extLst>
               <a:ext uri="{FF2B5EF4-FFF2-40B4-BE49-F238E27FC236}">
-                <a16:creationId xmlns="" xmlns:a16="http://schemas.microsoft.com/office/drawing/2014/main" id="{52176D31-35F7-8916-46FA-6095EFEC1E49}"/>
+                <a16:creationId xmlns:a16="http://schemas.microsoft.com/office/drawing/2014/main" xmlns="" id="{52176D31-35F7-8916-46FA-6095EFEC1E49}"/>
               </a:ext>
             </a:extLst>
           </p:cNvPr>
@@ -7136,7 +7136,7 @@
           <p:cNvPr id="64" name="TextBox 63">
             <a:extLst>
               <a:ext uri="{FF2B5EF4-FFF2-40B4-BE49-F238E27FC236}">
-                <a16:creationId xmlns="" xmlns:a16="http://schemas.microsoft.com/office/drawing/2014/main" id="{52176D31-35F7-8916-46FA-6095EFEC1E49}"/>
+                <a16:creationId xmlns:a16="http://schemas.microsoft.com/office/drawing/2014/main" xmlns="" id="{52176D31-35F7-8916-46FA-6095EFEC1E49}"/>
               </a:ext>
             </a:extLst>
           </p:cNvPr>
@@ -7190,7 +7190,7 @@
           <p:cNvPr id="65" name="TextBox 64">
             <a:extLst>
               <a:ext uri="{FF2B5EF4-FFF2-40B4-BE49-F238E27FC236}">
-                <a16:creationId xmlns="" xmlns:a16="http://schemas.microsoft.com/office/drawing/2014/main" id="{52176D31-35F7-8916-46FA-6095EFEC1E49}"/>
+                <a16:creationId xmlns:a16="http://schemas.microsoft.com/office/drawing/2014/main" xmlns="" id="{52176D31-35F7-8916-46FA-6095EFEC1E49}"/>
               </a:ext>
             </a:extLst>
           </p:cNvPr>
@@ -7289,7 +7289,7 @@
           <p:cNvPr id="66" name="TextBox 65">
             <a:extLst>
               <a:ext uri="{FF2B5EF4-FFF2-40B4-BE49-F238E27FC236}">
-                <a16:creationId xmlns="" xmlns:a16="http://schemas.microsoft.com/office/drawing/2014/main" id="{52176D31-35F7-8916-46FA-6095EFEC1E49}"/>
+                <a16:creationId xmlns:a16="http://schemas.microsoft.com/office/drawing/2014/main" xmlns="" id="{52176D31-35F7-8916-46FA-6095EFEC1E49}"/>
               </a:ext>
             </a:extLst>
           </p:cNvPr>
@@ -7598,7 +7598,7 @@
           <p:cNvPr id="11" name="TextBox 10">
             <a:extLst>
               <a:ext uri="{FF2B5EF4-FFF2-40B4-BE49-F238E27FC236}">
-                <a16:creationId xmlns:a16="http://schemas.microsoft.com/office/drawing/2014/main" xmlns="" id="{9F88F580-08BE-88C2-D640-13F0026591CB}"/>
+                <a16:creationId xmlns="" xmlns:a16="http://schemas.microsoft.com/office/drawing/2014/main" id="{9F88F580-08BE-88C2-D640-13F0026591CB}"/>
               </a:ext>
             </a:extLst>
           </p:cNvPr>
@@ -7666,7 +7666,7 @@
           <p:cNvPr id="13" name="TextBox 12">
             <a:extLst>
               <a:ext uri="{FF2B5EF4-FFF2-40B4-BE49-F238E27FC236}">
-                <a16:creationId xmlns:a16="http://schemas.microsoft.com/office/drawing/2014/main" xmlns="" id="{72769C28-9BB6-DE9C-7B6F-264B77B8DD0E}"/>
+                <a16:creationId xmlns="" xmlns:a16="http://schemas.microsoft.com/office/drawing/2014/main" id="{72769C28-9BB6-DE9C-7B6F-264B77B8DD0E}"/>
               </a:ext>
             </a:extLst>
           </p:cNvPr>
@@ -7724,7 +7724,7 @@
           <p:cNvPr id="14" name="TextBox 13">
             <a:extLst>
               <a:ext uri="{FF2B5EF4-FFF2-40B4-BE49-F238E27FC236}">
-                <a16:creationId xmlns:a16="http://schemas.microsoft.com/office/drawing/2014/main" xmlns="" id="{270FBB6A-01CE-5637-78DA-58F0C974145C}"/>
+                <a16:creationId xmlns="" xmlns:a16="http://schemas.microsoft.com/office/drawing/2014/main" id="{270FBB6A-01CE-5637-78DA-58F0C974145C}"/>
               </a:ext>
             </a:extLst>
           </p:cNvPr>
@@ -7772,7 +7772,7 @@
           <p:cNvPr id="2" name="Object 17">
             <a:extLst>
               <a:ext uri="{FF2B5EF4-FFF2-40B4-BE49-F238E27FC236}">
-                <a16:creationId xmlns:a16="http://schemas.microsoft.com/office/drawing/2014/main" xmlns="" id="{140B283D-FE58-FA6F-6F7C-E0F1DBB62A65}"/>
+                <a16:creationId xmlns="" xmlns:a16="http://schemas.microsoft.com/office/drawing/2014/main" id="{140B283D-FE58-FA6F-6F7C-E0F1DBB62A65}"/>
               </a:ext>
             </a:extLst>
           </p:cNvPr>
@@ -7802,7 +7802,7 @@
           <p:cNvPr id="4" name="TextBox 3">
             <a:extLst>
               <a:ext uri="{FF2B5EF4-FFF2-40B4-BE49-F238E27FC236}">
-                <a16:creationId xmlns:a16="http://schemas.microsoft.com/office/drawing/2014/main" xmlns="" id="{2C8D0998-79BC-6FD2-59D9-8052B4A25F65}"/>
+                <a16:creationId xmlns="" xmlns:a16="http://schemas.microsoft.com/office/drawing/2014/main" id="{2C8D0998-79BC-6FD2-59D9-8052B4A25F65}"/>
               </a:ext>
             </a:extLst>
           </p:cNvPr>
@@ -7850,7 +7850,7 @@
           <p:cNvPr id="5" name="Object 18">
             <a:extLst>
               <a:ext uri="{FF2B5EF4-FFF2-40B4-BE49-F238E27FC236}">
-                <a16:creationId xmlns:a16="http://schemas.microsoft.com/office/drawing/2014/main" xmlns="" id="{3F58EA3E-1018-64D3-FAB2-4F6B9618FA56}"/>
+                <a16:creationId xmlns="" xmlns:a16="http://schemas.microsoft.com/office/drawing/2014/main" id="{3F58EA3E-1018-64D3-FAB2-4F6B9618FA56}"/>
               </a:ext>
             </a:extLst>
           </p:cNvPr>
@@ -7880,7 +7880,7 @@
           <p:cNvPr id="8" name="TextBox 7">
             <a:extLst>
               <a:ext uri="{FF2B5EF4-FFF2-40B4-BE49-F238E27FC236}">
-                <a16:creationId xmlns:a16="http://schemas.microsoft.com/office/drawing/2014/main" xmlns="" id="{681D3F16-7DCF-41AD-F5F1-0558C78C0E4D}"/>
+                <a16:creationId xmlns="" xmlns:a16="http://schemas.microsoft.com/office/drawing/2014/main" id="{681D3F16-7DCF-41AD-F5F1-0558C78C0E4D}"/>
               </a:ext>
             </a:extLst>
           </p:cNvPr>
@@ -7984,7 +7984,7 @@
           <p:cNvPr id="16" name="직사각형 15">
             <a:extLst>
               <a:ext uri="{FF2B5EF4-FFF2-40B4-BE49-F238E27FC236}">
-                <a16:creationId xmlns="" xmlns:a16="http://schemas.microsoft.com/office/drawing/2014/main" id="{FFF506F9-840A-0508-4CAF-3AC711D8D5CE}"/>
+                <a16:creationId xmlns:a16="http://schemas.microsoft.com/office/drawing/2014/main" xmlns="" id="{FFF506F9-840A-0508-4CAF-3AC711D8D5CE}"/>
               </a:ext>
             </a:extLst>
           </p:cNvPr>
@@ -8036,7 +8036,7 @@
           <p:cNvPr id="18" name="직사각형 17">
             <a:extLst>
               <a:ext uri="{FF2B5EF4-FFF2-40B4-BE49-F238E27FC236}">
-                <a16:creationId xmlns="" xmlns:a16="http://schemas.microsoft.com/office/drawing/2014/main" id="{FFF506F9-840A-0508-4CAF-3AC711D8D5CE}"/>
+                <a16:creationId xmlns:a16="http://schemas.microsoft.com/office/drawing/2014/main" xmlns="" id="{FFF506F9-840A-0508-4CAF-3AC711D8D5CE}"/>
               </a:ext>
             </a:extLst>
           </p:cNvPr>
@@ -8112,7 +8112,7 @@
           <p:cNvPr id="22" name="TextBox 21">
             <a:extLst>
               <a:ext uri="{FF2B5EF4-FFF2-40B4-BE49-F238E27FC236}">
-                <a16:creationId xmlns="" xmlns:a16="http://schemas.microsoft.com/office/drawing/2014/main" id="{C6D113C6-EA5C-788F-0C77-E7CE6EBB865F}"/>
+                <a16:creationId xmlns:a16="http://schemas.microsoft.com/office/drawing/2014/main" xmlns="" id="{C6D113C6-EA5C-788F-0C77-E7CE6EBB865F}"/>
               </a:ext>
             </a:extLst>
           </p:cNvPr>
@@ -8207,7 +8207,7 @@
           <p:cNvPr id="4" name="TextBox 3">
             <a:extLst>
               <a:ext uri="{FF2B5EF4-FFF2-40B4-BE49-F238E27FC236}">
-                <a16:creationId xmlns="" xmlns:a16="http://schemas.microsoft.com/office/drawing/2014/main" id="{5ADC00B6-990A-40DC-3CEA-505258F5E8DA}"/>
+                <a16:creationId xmlns:a16="http://schemas.microsoft.com/office/drawing/2014/main" xmlns="" id="{5ADC00B6-990A-40DC-3CEA-505258F5E8DA}"/>
               </a:ext>
             </a:extLst>
           </p:cNvPr>
@@ -8279,7 +8279,7 @@
           <p:cNvPr id="6" name="TextBox 5">
             <a:extLst>
               <a:ext uri="{FF2B5EF4-FFF2-40B4-BE49-F238E27FC236}">
-                <a16:creationId xmlns="" xmlns:a16="http://schemas.microsoft.com/office/drawing/2014/main" id="{52176D31-35F7-8916-46FA-6095EFEC1E49}"/>
+                <a16:creationId xmlns:a16="http://schemas.microsoft.com/office/drawing/2014/main" xmlns="" id="{52176D31-35F7-8916-46FA-6095EFEC1E49}"/>
               </a:ext>
             </a:extLst>
           </p:cNvPr>
@@ -8411,7 +8411,7 @@
           <p:cNvPr id="7" name="TextBox 6">
             <a:extLst>
               <a:ext uri="{FF2B5EF4-FFF2-40B4-BE49-F238E27FC236}">
-                <a16:creationId xmlns="" xmlns:a16="http://schemas.microsoft.com/office/drawing/2014/main" id="{52176D31-35F7-8916-46FA-6095EFEC1E49}"/>
+                <a16:creationId xmlns:a16="http://schemas.microsoft.com/office/drawing/2014/main" xmlns="" id="{52176D31-35F7-8916-46FA-6095EFEC1E49}"/>
               </a:ext>
             </a:extLst>
           </p:cNvPr>
@@ -8539,7 +8539,7 @@
           <p:cNvPr id="5" name="직선 화살표 연결선 4">
             <a:extLst>
               <a:ext uri="{FF2B5EF4-FFF2-40B4-BE49-F238E27FC236}">
-                <a16:creationId xmlns="" xmlns:a16="http://schemas.microsoft.com/office/drawing/2014/main" id="{299DF5EC-9DF4-5255-06AC-0A7CE4FF58C3}"/>
+                <a16:creationId xmlns:a16="http://schemas.microsoft.com/office/drawing/2014/main" xmlns="" id="{299DF5EC-9DF4-5255-06AC-0A7CE4FF58C3}"/>
               </a:ext>
             </a:extLst>
           </p:cNvPr>
@@ -8580,7 +8580,7 @@
           <p:cNvPr id="6" name="직사각형 5">
             <a:extLst>
               <a:ext uri="{FF2B5EF4-FFF2-40B4-BE49-F238E27FC236}">
-                <a16:creationId xmlns="" xmlns:a16="http://schemas.microsoft.com/office/drawing/2014/main" id="{FFF506F9-840A-0508-4CAF-3AC711D8D5CE}"/>
+                <a16:creationId xmlns:a16="http://schemas.microsoft.com/office/drawing/2014/main" xmlns="" id="{FFF506F9-840A-0508-4CAF-3AC711D8D5CE}"/>
               </a:ext>
             </a:extLst>
           </p:cNvPr>
@@ -8632,7 +8632,7 @@
           <p:cNvPr id="7" name="TextBox 6">
             <a:extLst>
               <a:ext uri="{FF2B5EF4-FFF2-40B4-BE49-F238E27FC236}">
-                <a16:creationId xmlns="" xmlns:a16="http://schemas.microsoft.com/office/drawing/2014/main" id="{C6D113C6-EA5C-788F-0C77-E7CE6EBB865F}"/>
+                <a16:creationId xmlns:a16="http://schemas.microsoft.com/office/drawing/2014/main" xmlns="" id="{C6D113C6-EA5C-788F-0C77-E7CE6EBB865F}"/>
               </a:ext>
             </a:extLst>
           </p:cNvPr>
@@ -8680,7 +8680,7 @@
           <p:cNvPr id="8" name="직선 화살표 연결선 7">
             <a:extLst>
               <a:ext uri="{FF2B5EF4-FFF2-40B4-BE49-F238E27FC236}">
-                <a16:creationId xmlns="" xmlns:a16="http://schemas.microsoft.com/office/drawing/2014/main" id="{299DF5EC-9DF4-5255-06AC-0A7CE4FF58C3}"/>
+                <a16:creationId xmlns:a16="http://schemas.microsoft.com/office/drawing/2014/main" xmlns="" id="{299DF5EC-9DF4-5255-06AC-0A7CE4FF58C3}"/>
               </a:ext>
             </a:extLst>
           </p:cNvPr>
@@ -8722,7 +8722,7 @@
           <p:cNvPr id="9" name="직사각형 8">
             <a:extLst>
               <a:ext uri="{FF2B5EF4-FFF2-40B4-BE49-F238E27FC236}">
-                <a16:creationId xmlns="" xmlns:a16="http://schemas.microsoft.com/office/drawing/2014/main" id="{FFF506F9-840A-0508-4CAF-3AC711D8D5CE}"/>
+                <a16:creationId xmlns:a16="http://schemas.microsoft.com/office/drawing/2014/main" xmlns="" id="{FFF506F9-840A-0508-4CAF-3AC711D8D5CE}"/>
               </a:ext>
             </a:extLst>
           </p:cNvPr>
@@ -8811,7 +8811,7 @@
           <p:cNvPr id="4" name="TextBox 3">
             <a:extLst>
               <a:ext uri="{FF2B5EF4-FFF2-40B4-BE49-F238E27FC236}">
-                <a16:creationId xmlns:a16="http://schemas.microsoft.com/office/drawing/2014/main" xmlns="" id="{DF7DDD33-9412-2802-339A-E55446AC2DA7}"/>
+                <a16:creationId xmlns="" xmlns:a16="http://schemas.microsoft.com/office/drawing/2014/main" id="{DF7DDD33-9412-2802-339A-E55446AC2DA7}"/>
               </a:ext>
             </a:extLst>
           </p:cNvPr>
@@ -8930,7 +8930,7 @@
           <p:cNvPr id="5" name="TextBox 4">
             <a:extLst>
               <a:ext uri="{FF2B5EF4-FFF2-40B4-BE49-F238E27FC236}">
-                <a16:creationId xmlns="" xmlns:a16="http://schemas.microsoft.com/office/drawing/2014/main" id="{C6D113C6-EA5C-788F-0C77-E7CE6EBB865F}"/>
+                <a16:creationId xmlns:a16="http://schemas.microsoft.com/office/drawing/2014/main" xmlns="" id="{C6D113C6-EA5C-788F-0C77-E7CE6EBB865F}"/>
               </a:ext>
             </a:extLst>
           </p:cNvPr>
@@ -9067,7 +9067,7 @@
           <p:cNvPr id="4" name="TextBox 3">
             <a:extLst>
               <a:ext uri="{FF2B5EF4-FFF2-40B4-BE49-F238E27FC236}">
-                <a16:creationId xmlns="" xmlns:a16="http://schemas.microsoft.com/office/drawing/2014/main" id="{5ADC00B6-990A-40DC-3CEA-505258F5E8DA}"/>
+                <a16:creationId xmlns:a16="http://schemas.microsoft.com/office/drawing/2014/main" xmlns="" id="{5ADC00B6-990A-40DC-3CEA-505258F5E8DA}"/>
               </a:ext>
             </a:extLst>
           </p:cNvPr>
@@ -9115,7 +9115,7 @@
           <p:cNvPr id="5" name="TextBox 4">
             <a:extLst>
               <a:ext uri="{FF2B5EF4-FFF2-40B4-BE49-F238E27FC236}">
-                <a16:creationId xmlns="" xmlns:a16="http://schemas.microsoft.com/office/drawing/2014/main" id="{52176D31-35F7-8916-46FA-6095EFEC1E49}"/>
+                <a16:creationId xmlns:a16="http://schemas.microsoft.com/office/drawing/2014/main" xmlns="" id="{52176D31-35F7-8916-46FA-6095EFEC1E49}"/>
               </a:ext>
             </a:extLst>
           </p:cNvPr>
@@ -9269,7 +9269,7 @@
           <p:cNvPr id="4" name="TextBox 3">
             <a:extLst>
               <a:ext uri="{FF2B5EF4-FFF2-40B4-BE49-F238E27FC236}">
-                <a16:creationId xmlns="" xmlns:a16="http://schemas.microsoft.com/office/drawing/2014/main" id="{5ADC00B6-990A-40DC-3CEA-505258F5E8DA}"/>
+                <a16:creationId xmlns:a16="http://schemas.microsoft.com/office/drawing/2014/main" xmlns="" id="{5ADC00B6-990A-40DC-3CEA-505258F5E8DA}"/>
               </a:ext>
             </a:extLst>
           </p:cNvPr>
@@ -9317,7 +9317,7 @@
           <p:cNvPr id="5" name="TextBox 4">
             <a:extLst>
               <a:ext uri="{FF2B5EF4-FFF2-40B4-BE49-F238E27FC236}">
-                <a16:creationId xmlns="" xmlns:a16="http://schemas.microsoft.com/office/drawing/2014/main" id="{52176D31-35F7-8916-46FA-6095EFEC1E49}"/>
+                <a16:creationId xmlns:a16="http://schemas.microsoft.com/office/drawing/2014/main" xmlns="" id="{52176D31-35F7-8916-46FA-6095EFEC1E49}"/>
               </a:ext>
             </a:extLst>
           </p:cNvPr>
@@ -9563,7 +9563,7 @@
           <p:cNvPr id="10" name="TextBox 9">
             <a:extLst>
               <a:ext uri="{FF2B5EF4-FFF2-40B4-BE49-F238E27FC236}">
-                <a16:creationId xmlns="" xmlns:a16="http://schemas.microsoft.com/office/drawing/2014/main" id="{5ADC00B6-990A-40DC-3CEA-505258F5E8DA}"/>
+                <a16:creationId xmlns:a16="http://schemas.microsoft.com/office/drawing/2014/main" xmlns="" id="{5ADC00B6-990A-40DC-3CEA-505258F5E8DA}"/>
               </a:ext>
             </a:extLst>
           </p:cNvPr>
@@ -9611,7 +9611,7 @@
           <p:cNvPr id="11" name="TextBox 10">
             <a:extLst>
               <a:ext uri="{FF2B5EF4-FFF2-40B4-BE49-F238E27FC236}">
-                <a16:creationId xmlns="" xmlns:a16="http://schemas.microsoft.com/office/drawing/2014/main" id="{52176D31-35F7-8916-46FA-6095EFEC1E49}"/>
+                <a16:creationId xmlns:a16="http://schemas.microsoft.com/office/drawing/2014/main" xmlns="" id="{52176D31-35F7-8916-46FA-6095EFEC1E49}"/>
               </a:ext>
             </a:extLst>
           </p:cNvPr>
@@ -9728,7 +9728,7 @@
           <p:cNvPr id="13" name="직사각형 12">
             <a:extLst>
               <a:ext uri="{FF2B5EF4-FFF2-40B4-BE49-F238E27FC236}">
-                <a16:creationId xmlns="" xmlns:a16="http://schemas.microsoft.com/office/drawing/2014/main" id="{FFF506F9-840A-0508-4CAF-3AC711D8D5CE}"/>
+                <a16:creationId xmlns:a16="http://schemas.microsoft.com/office/drawing/2014/main" xmlns="" id="{FFF506F9-840A-0508-4CAF-3AC711D8D5CE}"/>
               </a:ext>
             </a:extLst>
           </p:cNvPr>
@@ -9780,7 +9780,7 @@
           <p:cNvPr id="14" name="직사각형 13">
             <a:extLst>
               <a:ext uri="{FF2B5EF4-FFF2-40B4-BE49-F238E27FC236}">
-                <a16:creationId xmlns="" xmlns:a16="http://schemas.microsoft.com/office/drawing/2014/main" id="{FFF506F9-840A-0508-4CAF-3AC711D8D5CE}"/>
+                <a16:creationId xmlns:a16="http://schemas.microsoft.com/office/drawing/2014/main" xmlns="" id="{FFF506F9-840A-0508-4CAF-3AC711D8D5CE}"/>
               </a:ext>
             </a:extLst>
           </p:cNvPr>
@@ -9832,7 +9832,7 @@
           <p:cNvPr id="15" name="직선 화살표 연결선 14">
             <a:extLst>
               <a:ext uri="{FF2B5EF4-FFF2-40B4-BE49-F238E27FC236}">
-                <a16:creationId xmlns="" xmlns:a16="http://schemas.microsoft.com/office/drawing/2014/main" id="{299DF5EC-9DF4-5255-06AC-0A7CE4FF58C3}"/>
+                <a16:creationId xmlns:a16="http://schemas.microsoft.com/office/drawing/2014/main" xmlns="" id="{299DF5EC-9DF4-5255-06AC-0A7CE4FF58C3}"/>
               </a:ext>
             </a:extLst>
           </p:cNvPr>
@@ -9873,7 +9873,7 @@
           <p:cNvPr id="16" name="TextBox 15">
             <a:extLst>
               <a:ext uri="{FF2B5EF4-FFF2-40B4-BE49-F238E27FC236}">
-                <a16:creationId xmlns="" xmlns:a16="http://schemas.microsoft.com/office/drawing/2014/main" id="{C6D113C6-EA5C-788F-0C77-E7CE6EBB865F}"/>
+                <a16:creationId xmlns:a16="http://schemas.microsoft.com/office/drawing/2014/main" xmlns="" id="{C6D113C6-EA5C-788F-0C77-E7CE6EBB865F}"/>
               </a:ext>
             </a:extLst>
           </p:cNvPr>
@@ -9931,7 +9931,7 @@
           <p:cNvPr id="17" name="직선 화살표 연결선 16">
             <a:extLst>
               <a:ext uri="{FF2B5EF4-FFF2-40B4-BE49-F238E27FC236}">
-                <a16:creationId xmlns="" xmlns:a16="http://schemas.microsoft.com/office/drawing/2014/main" id="{299DF5EC-9DF4-5255-06AC-0A7CE4FF58C3}"/>
+                <a16:creationId xmlns:a16="http://schemas.microsoft.com/office/drawing/2014/main" xmlns="" id="{299DF5EC-9DF4-5255-06AC-0A7CE4FF58C3}"/>
               </a:ext>
             </a:extLst>
           </p:cNvPr>
@@ -9972,7 +9972,7 @@
           <p:cNvPr id="18" name="TextBox 17">
             <a:extLst>
               <a:ext uri="{FF2B5EF4-FFF2-40B4-BE49-F238E27FC236}">
-                <a16:creationId xmlns="" xmlns:a16="http://schemas.microsoft.com/office/drawing/2014/main" id="{C6D113C6-EA5C-788F-0C77-E7CE6EBB865F}"/>
+                <a16:creationId xmlns:a16="http://schemas.microsoft.com/office/drawing/2014/main" xmlns="" id="{C6D113C6-EA5C-788F-0C77-E7CE6EBB865F}"/>
               </a:ext>
             </a:extLst>
           </p:cNvPr>
@@ -10091,7 +10091,7 @@
           <p:cNvPr id="5" name="TextBox 4">
             <a:extLst>
               <a:ext uri="{FF2B5EF4-FFF2-40B4-BE49-F238E27FC236}">
-                <a16:creationId xmlns="" xmlns:a16="http://schemas.microsoft.com/office/drawing/2014/main" id="{C6D113C6-EA5C-788F-0C77-E7CE6EBB865F}"/>
+                <a16:creationId xmlns:a16="http://schemas.microsoft.com/office/drawing/2014/main" xmlns="" id="{C6D113C6-EA5C-788F-0C77-E7CE6EBB865F}"/>
               </a:ext>
             </a:extLst>
           </p:cNvPr>
@@ -10210,7 +10210,7 @@
           <p:cNvPr id="5" name="TextBox 4">
             <a:extLst>
               <a:ext uri="{FF2B5EF4-FFF2-40B4-BE49-F238E27FC236}">
-                <a16:creationId xmlns="" xmlns:a16="http://schemas.microsoft.com/office/drawing/2014/main" id="{C6D113C6-EA5C-788F-0C77-E7CE6EBB865F}"/>
+                <a16:creationId xmlns:a16="http://schemas.microsoft.com/office/drawing/2014/main" xmlns="" id="{C6D113C6-EA5C-788F-0C77-E7CE6EBB865F}"/>
               </a:ext>
             </a:extLst>
           </p:cNvPr>
@@ -10554,7 +10554,7 @@
           <p:cNvPr id="2" name="TextBox 1">
             <a:extLst>
               <a:ext uri="{FF2B5EF4-FFF2-40B4-BE49-F238E27FC236}">
-                <a16:creationId xmlns:a16="http://schemas.microsoft.com/office/drawing/2014/main" xmlns="" id="{8D19D88B-9541-32D7-90F1-0C45C993E21C}"/>
+                <a16:creationId xmlns="" xmlns:a16="http://schemas.microsoft.com/office/drawing/2014/main" id="{8D19D88B-9541-32D7-90F1-0C45C993E21C}"/>
               </a:ext>
             </a:extLst>
           </p:cNvPr>
@@ -10644,7 +10644,7 @@
           <p:cNvPr id="4" name="TextBox 3">
             <a:extLst>
               <a:ext uri="{FF2B5EF4-FFF2-40B4-BE49-F238E27FC236}">
-                <a16:creationId xmlns:a16="http://schemas.microsoft.com/office/drawing/2014/main" xmlns="" id="{DF7DDD33-9412-2802-339A-E55446AC2DA7}"/>
+                <a16:creationId xmlns="" xmlns:a16="http://schemas.microsoft.com/office/drawing/2014/main" id="{DF7DDD33-9412-2802-339A-E55446AC2DA7}"/>
               </a:ext>
             </a:extLst>
           </p:cNvPr>
@@ -10711,7 +10711,7 @@
           <p:cNvPr id="5" name="TextBox 4">
             <a:extLst>
               <a:ext uri="{FF2B5EF4-FFF2-40B4-BE49-F238E27FC236}">
-                <a16:creationId xmlns="" xmlns:a16="http://schemas.microsoft.com/office/drawing/2014/main" id="{C6D113C6-EA5C-788F-0C77-E7CE6EBB865F}"/>
+                <a16:creationId xmlns:a16="http://schemas.microsoft.com/office/drawing/2014/main" xmlns="" id="{C6D113C6-EA5C-788F-0C77-E7CE6EBB865F}"/>
               </a:ext>
             </a:extLst>
           </p:cNvPr>
@@ -10806,7 +10806,7 @@
           <p:cNvPr id="4" name="TextBox 3">
             <a:extLst>
               <a:ext uri="{FF2B5EF4-FFF2-40B4-BE49-F238E27FC236}">
-                <a16:creationId xmlns:a16="http://schemas.microsoft.com/office/drawing/2014/main" xmlns="" id="{DF7DDD33-9412-2802-339A-E55446AC2DA7}"/>
+                <a16:creationId xmlns="" xmlns:a16="http://schemas.microsoft.com/office/drawing/2014/main" id="{DF7DDD33-9412-2802-339A-E55446AC2DA7}"/>
               </a:ext>
             </a:extLst>
           </p:cNvPr>
@@ -11216,7 +11216,7 @@
           <p:cNvPr id="5" name="TextBox 4">
             <a:extLst>
               <a:ext uri="{FF2B5EF4-FFF2-40B4-BE49-F238E27FC236}">
-                <a16:creationId xmlns:a16="http://schemas.microsoft.com/office/drawing/2014/main" xmlns="" id="{DF7DDD33-9412-2802-339A-E55446AC2DA7}"/>
+                <a16:creationId xmlns="" xmlns:a16="http://schemas.microsoft.com/office/drawing/2014/main" id="{DF7DDD33-9412-2802-339A-E55446AC2DA7}"/>
               </a:ext>
             </a:extLst>
           </p:cNvPr>
@@ -11333,7 +11333,7 @@
           <p:cNvPr id="5" name="TextBox 4">
             <a:extLst>
               <a:ext uri="{FF2B5EF4-FFF2-40B4-BE49-F238E27FC236}">
-                <a16:creationId xmlns="" xmlns:a16="http://schemas.microsoft.com/office/drawing/2014/main" id="{5ADC00B6-990A-40DC-3CEA-505258F5E8DA}"/>
+                <a16:creationId xmlns:a16="http://schemas.microsoft.com/office/drawing/2014/main" xmlns="" id="{5ADC00B6-990A-40DC-3CEA-505258F5E8DA}"/>
               </a:ext>
             </a:extLst>
           </p:cNvPr>
@@ -11391,7 +11391,7 @@
           <p:cNvPr id="6" name="TextBox 5">
             <a:extLst>
               <a:ext uri="{FF2B5EF4-FFF2-40B4-BE49-F238E27FC236}">
-                <a16:creationId xmlns="" xmlns:a16="http://schemas.microsoft.com/office/drawing/2014/main" id="{52176D31-35F7-8916-46FA-6095EFEC1E49}"/>
+                <a16:creationId xmlns:a16="http://schemas.microsoft.com/office/drawing/2014/main" xmlns="" id="{52176D31-35F7-8916-46FA-6095EFEC1E49}"/>
               </a:ext>
             </a:extLst>
           </p:cNvPr>
@@ -11626,7 +11626,7 @@
           <p:cNvPr id="8" name="TextBox 7">
             <a:extLst>
               <a:ext uri="{FF2B5EF4-FFF2-40B4-BE49-F238E27FC236}">
-                <a16:creationId xmlns="" xmlns:a16="http://schemas.microsoft.com/office/drawing/2014/main" id="{52176D31-35F7-8916-46FA-6095EFEC1E49}"/>
+                <a16:creationId xmlns:a16="http://schemas.microsoft.com/office/drawing/2014/main" xmlns="" id="{52176D31-35F7-8916-46FA-6095EFEC1E49}"/>
               </a:ext>
             </a:extLst>
           </p:cNvPr>
@@ -11861,7 +11861,7 @@
           <p:cNvPr id="4" name="TextBox 3">
             <a:extLst>
               <a:ext uri="{FF2B5EF4-FFF2-40B4-BE49-F238E27FC236}">
-                <a16:creationId xmlns="" xmlns:a16="http://schemas.microsoft.com/office/drawing/2014/main" id="{52176D31-35F7-8916-46FA-6095EFEC1E49}"/>
+                <a16:creationId xmlns:a16="http://schemas.microsoft.com/office/drawing/2014/main" xmlns="" id="{52176D31-35F7-8916-46FA-6095EFEC1E49}"/>
               </a:ext>
             </a:extLst>
           </p:cNvPr>
@@ -12065,20 +12065,7 @@
                 <a:latin typeface="G마켓 산스 Medium" panose="02000000000000000000" pitchFamily="50" charset="-127"/>
                 <a:ea typeface="G마켓 산스 Medium" panose="02000000000000000000" pitchFamily="50" charset="-127"/>
               </a:rPr>
-              <a:t>(), </a:t>
-            </a:r>
-            <a:r>
-              <a:rPr lang="en-US" altLang="ko-KR" sz="3600">
-                <a:solidFill>
-                  <a:schemeClr val="accent3">
-                    <a:lumMod val="60000"/>
-                    <a:lumOff val="40000"/>
-                  </a:schemeClr>
-                </a:solidFill>
-                <a:latin typeface="G마켓 산스 Medium" panose="02000000000000000000" pitchFamily="50" charset="-127"/>
-                <a:ea typeface="G마켓 산스 Medium" panose="02000000000000000000" pitchFamily="50" charset="-127"/>
-              </a:rPr>
-              <a:t>armorUp</a:t>
+              <a:t>(), armorUp</a:t>
             </a:r>
             <a:r>
               <a:rPr lang="en-US" altLang="ko-KR" sz="3600" smtClean="0">
@@ -12308,7 +12295,7 @@
           <p:cNvPr id="4" name="Object 1">
             <a:extLst>
               <a:ext uri="{FF2B5EF4-FFF2-40B4-BE49-F238E27FC236}">
-                <a16:creationId xmlns:a16="http://schemas.microsoft.com/office/drawing/2014/main" xmlns="" id="{B0329035-BE76-33A8-0F2E-44624FCC1DED}"/>
+                <a16:creationId xmlns="" xmlns:a16="http://schemas.microsoft.com/office/drawing/2014/main" id="{B0329035-BE76-33A8-0F2E-44624FCC1DED}"/>
               </a:ext>
             </a:extLst>
           </p:cNvPr>
@@ -12338,7 +12325,7 @@
           <p:cNvPr id="7" name="그룹 1001">
             <a:extLst>
               <a:ext uri="{FF2B5EF4-FFF2-40B4-BE49-F238E27FC236}">
-                <a16:creationId xmlns:a16="http://schemas.microsoft.com/office/drawing/2014/main" xmlns="" id="{CD24CE9D-AC18-B6CD-F397-7E8E03D6FE26}"/>
+                <a16:creationId xmlns="" xmlns:a16="http://schemas.microsoft.com/office/drawing/2014/main" id="{CD24CE9D-AC18-B6CD-F397-7E8E03D6FE26}"/>
               </a:ext>
             </a:extLst>
           </p:cNvPr>
@@ -12358,7 +12345,7 @@
             <p:cNvPr id="8" name="Object 5">
               <a:extLst>
                 <a:ext uri="{FF2B5EF4-FFF2-40B4-BE49-F238E27FC236}">
-                  <a16:creationId xmlns:a16="http://schemas.microsoft.com/office/drawing/2014/main" xmlns="" id="{0EEF25E8-3BA8-EBAA-6DC2-66D70C3F9F4D}"/>
+                  <a16:creationId xmlns="" xmlns:a16="http://schemas.microsoft.com/office/drawing/2014/main" id="{0EEF25E8-3BA8-EBAA-6DC2-66D70C3F9F4D}"/>
                 </a:ext>
               </a:extLst>
             </p:cNvPr>
@@ -12389,7 +12376,7 @@
           <p:cNvPr id="9" name="그룹 1002">
             <a:extLst>
               <a:ext uri="{FF2B5EF4-FFF2-40B4-BE49-F238E27FC236}">
-                <a16:creationId xmlns:a16="http://schemas.microsoft.com/office/drawing/2014/main" xmlns="" id="{0F281BC9-DE1F-D1FE-E64C-C4640398F00C}"/>
+                <a16:creationId xmlns="" xmlns:a16="http://schemas.microsoft.com/office/drawing/2014/main" id="{0F281BC9-DE1F-D1FE-E64C-C4640398F00C}"/>
               </a:ext>
             </a:extLst>
           </p:cNvPr>
@@ -12409,7 +12396,7 @@
             <p:cNvPr id="10" name="Object 8">
               <a:extLst>
                 <a:ext uri="{FF2B5EF4-FFF2-40B4-BE49-F238E27FC236}">
-                  <a16:creationId xmlns:a16="http://schemas.microsoft.com/office/drawing/2014/main" xmlns="" id="{F669DCEF-04BB-7046-3F7F-5B513213556E}"/>
+                  <a16:creationId xmlns="" xmlns:a16="http://schemas.microsoft.com/office/drawing/2014/main" id="{F669DCEF-04BB-7046-3F7F-5B513213556E}"/>
                 </a:ext>
               </a:extLst>
             </p:cNvPr>
@@ -12440,7 +12427,7 @@
           <p:cNvPr id="11" name="그룹 1003">
             <a:extLst>
               <a:ext uri="{FF2B5EF4-FFF2-40B4-BE49-F238E27FC236}">
-                <a16:creationId xmlns:a16="http://schemas.microsoft.com/office/drawing/2014/main" xmlns="" id="{1F91EEF9-13EA-BB7F-B056-D35E7DB989AC}"/>
+                <a16:creationId xmlns="" xmlns:a16="http://schemas.microsoft.com/office/drawing/2014/main" id="{1F91EEF9-13EA-BB7F-B056-D35E7DB989AC}"/>
               </a:ext>
             </a:extLst>
           </p:cNvPr>
@@ -12460,7 +12447,7 @@
             <p:cNvPr id="12" name="Object 11">
               <a:extLst>
                 <a:ext uri="{FF2B5EF4-FFF2-40B4-BE49-F238E27FC236}">
-                  <a16:creationId xmlns:a16="http://schemas.microsoft.com/office/drawing/2014/main" xmlns="" id="{2CFFB217-AEFB-2C9E-5F86-6EE19510FFC6}"/>
+                  <a16:creationId xmlns="" xmlns:a16="http://schemas.microsoft.com/office/drawing/2014/main" id="{2CFFB217-AEFB-2C9E-5F86-6EE19510FFC6}"/>
                 </a:ext>
               </a:extLst>
             </p:cNvPr>
@@ -12491,7 +12478,7 @@
           <p:cNvPr id="13" name="그룹 1004">
             <a:extLst>
               <a:ext uri="{FF2B5EF4-FFF2-40B4-BE49-F238E27FC236}">
-                <a16:creationId xmlns:a16="http://schemas.microsoft.com/office/drawing/2014/main" xmlns="" id="{123B9C7E-94E8-E7E1-81BE-D59EA0299187}"/>
+                <a16:creationId xmlns="" xmlns:a16="http://schemas.microsoft.com/office/drawing/2014/main" id="{123B9C7E-94E8-E7E1-81BE-D59EA0299187}"/>
               </a:ext>
             </a:extLst>
           </p:cNvPr>
@@ -12511,7 +12498,7 @@
             <p:cNvPr id="14" name="Object 14">
               <a:extLst>
                 <a:ext uri="{FF2B5EF4-FFF2-40B4-BE49-F238E27FC236}">
-                  <a16:creationId xmlns:a16="http://schemas.microsoft.com/office/drawing/2014/main" xmlns="" id="{B6291552-2D89-A79F-7ACD-EA0EF9A4C389}"/>
+                  <a16:creationId xmlns="" xmlns:a16="http://schemas.microsoft.com/office/drawing/2014/main" id="{B6291552-2D89-A79F-7ACD-EA0EF9A4C389}"/>
                 </a:ext>
               </a:extLst>
             </p:cNvPr>
@@ -12542,7 +12529,7 @@
           <p:cNvPr id="15" name="TextBox 14">
             <a:extLst>
               <a:ext uri="{FF2B5EF4-FFF2-40B4-BE49-F238E27FC236}">
-                <a16:creationId xmlns:a16="http://schemas.microsoft.com/office/drawing/2014/main" xmlns="" id="{7D99763A-FC24-23F5-5BA9-D7B042E0F323}"/>
+                <a16:creationId xmlns="" xmlns:a16="http://schemas.microsoft.com/office/drawing/2014/main" id="{7D99763A-FC24-23F5-5BA9-D7B042E0F323}"/>
               </a:ext>
             </a:extLst>
           </p:cNvPr>
@@ -12627,7 +12614,7 @@
           <p:cNvPr id="4" name="TextBox 3">
             <a:extLst>
               <a:ext uri="{FF2B5EF4-FFF2-40B4-BE49-F238E27FC236}">
-                <a16:creationId xmlns="" xmlns:a16="http://schemas.microsoft.com/office/drawing/2014/main" id="{5ADC00B6-990A-40DC-3CEA-505258F5E8DA}"/>
+                <a16:creationId xmlns:a16="http://schemas.microsoft.com/office/drawing/2014/main" xmlns="" id="{5ADC00B6-990A-40DC-3CEA-505258F5E8DA}"/>
               </a:ext>
             </a:extLst>
           </p:cNvPr>
@@ -12709,7 +12696,7 @@
           <p:cNvPr id="6" name="직선 화살표 연결선 5">
             <a:extLst>
               <a:ext uri="{FF2B5EF4-FFF2-40B4-BE49-F238E27FC236}">
-                <a16:creationId xmlns="" xmlns:a16="http://schemas.microsoft.com/office/drawing/2014/main" id="{299DF5EC-9DF4-5255-06AC-0A7CE4FF58C3}"/>
+                <a16:creationId xmlns:a16="http://schemas.microsoft.com/office/drawing/2014/main" xmlns="" id="{299DF5EC-9DF4-5255-06AC-0A7CE4FF58C3}"/>
               </a:ext>
             </a:extLst>
           </p:cNvPr>
@@ -12750,7 +12737,7 @@
           <p:cNvPr id="7" name="TextBox 6">
             <a:extLst>
               <a:ext uri="{FF2B5EF4-FFF2-40B4-BE49-F238E27FC236}">
-                <a16:creationId xmlns="" xmlns:a16="http://schemas.microsoft.com/office/drawing/2014/main" id="{C6D113C6-EA5C-788F-0C77-E7CE6EBB865F}"/>
+                <a16:creationId xmlns:a16="http://schemas.microsoft.com/office/drawing/2014/main" xmlns="" id="{C6D113C6-EA5C-788F-0C77-E7CE6EBB865F}"/>
               </a:ext>
             </a:extLst>
           </p:cNvPr>
@@ -12798,7 +12785,7 @@
           <p:cNvPr id="9" name="직선 화살표 연결선 8">
             <a:extLst>
               <a:ext uri="{FF2B5EF4-FFF2-40B4-BE49-F238E27FC236}">
-                <a16:creationId xmlns="" xmlns:a16="http://schemas.microsoft.com/office/drawing/2014/main" id="{299DF5EC-9DF4-5255-06AC-0A7CE4FF58C3}"/>
+                <a16:creationId xmlns:a16="http://schemas.microsoft.com/office/drawing/2014/main" xmlns="" id="{299DF5EC-9DF4-5255-06AC-0A7CE4FF58C3}"/>
               </a:ext>
             </a:extLst>
           </p:cNvPr>
@@ -12839,7 +12826,7 @@
           <p:cNvPr id="10" name="TextBox 9">
             <a:extLst>
               <a:ext uri="{FF2B5EF4-FFF2-40B4-BE49-F238E27FC236}">
-                <a16:creationId xmlns="" xmlns:a16="http://schemas.microsoft.com/office/drawing/2014/main" id="{C6D113C6-EA5C-788F-0C77-E7CE6EBB865F}"/>
+                <a16:creationId xmlns:a16="http://schemas.microsoft.com/office/drawing/2014/main" xmlns="" id="{C6D113C6-EA5C-788F-0C77-E7CE6EBB865F}"/>
               </a:ext>
             </a:extLst>
           </p:cNvPr>
@@ -12870,17 +12857,7 @@
                 <a:latin typeface="G마켓 산스 Medium" panose="02000000000000000000" pitchFamily="50" charset="-127"/>
                 <a:ea typeface="G마켓 산스 Medium" panose="02000000000000000000" pitchFamily="50" charset="-127"/>
               </a:rPr>
-              <a:t>클래스</a:t>
-            </a:r>
-            <a:r>
-              <a:rPr lang="ko-KR" altLang="en-US" sz="4000" smtClean="0">
-                <a:solidFill>
-                  <a:srgbClr val="FF0000"/>
-                </a:solidFill>
-                <a:latin typeface="G마켓 산스 Medium" panose="02000000000000000000" pitchFamily="50" charset="-127"/>
-                <a:ea typeface="G마켓 산스 Medium" panose="02000000000000000000" pitchFamily="50" charset="-127"/>
-              </a:rPr>
-              <a:t> 내부</a:t>
+              <a:t>클래스 내부</a:t>
             </a:r>
             <a:endParaRPr lang="en-US" altLang="ko-KR" sz="4000" dirty="0">
               <a:solidFill>
@@ -12921,7 +12898,7 @@
           <p:cNvPr id="12" name="직선 화살표 연결선 11">
             <a:extLst>
               <a:ext uri="{FF2B5EF4-FFF2-40B4-BE49-F238E27FC236}">
-                <a16:creationId xmlns="" xmlns:a16="http://schemas.microsoft.com/office/drawing/2014/main" id="{299DF5EC-9DF4-5255-06AC-0A7CE4FF58C3}"/>
+                <a16:creationId xmlns:a16="http://schemas.microsoft.com/office/drawing/2014/main" xmlns="" id="{299DF5EC-9DF4-5255-06AC-0A7CE4FF58C3}"/>
               </a:ext>
             </a:extLst>
           </p:cNvPr>
@@ -12962,7 +12939,7 @@
           <p:cNvPr id="13" name="TextBox 12">
             <a:extLst>
               <a:ext uri="{FF2B5EF4-FFF2-40B4-BE49-F238E27FC236}">
-                <a16:creationId xmlns="" xmlns:a16="http://schemas.microsoft.com/office/drawing/2014/main" id="{C6D113C6-EA5C-788F-0C77-E7CE6EBB865F}"/>
+                <a16:creationId xmlns:a16="http://schemas.microsoft.com/office/drawing/2014/main" xmlns="" id="{C6D113C6-EA5C-788F-0C77-E7CE6EBB865F}"/>
               </a:ext>
             </a:extLst>
           </p:cNvPr>
@@ -13010,7 +12987,7 @@
           <p:cNvPr id="15" name="직선 화살표 연결선 14">
             <a:extLst>
               <a:ext uri="{FF2B5EF4-FFF2-40B4-BE49-F238E27FC236}">
-                <a16:creationId xmlns="" xmlns:a16="http://schemas.microsoft.com/office/drawing/2014/main" id="{299DF5EC-9DF4-5255-06AC-0A7CE4FF58C3}"/>
+                <a16:creationId xmlns:a16="http://schemas.microsoft.com/office/drawing/2014/main" xmlns="" id="{299DF5EC-9DF4-5255-06AC-0A7CE4FF58C3}"/>
               </a:ext>
             </a:extLst>
           </p:cNvPr>
@@ -13051,7 +13028,7 @@
           <p:cNvPr id="16" name="TextBox 15">
             <a:extLst>
               <a:ext uri="{FF2B5EF4-FFF2-40B4-BE49-F238E27FC236}">
-                <a16:creationId xmlns="" xmlns:a16="http://schemas.microsoft.com/office/drawing/2014/main" id="{C6D113C6-EA5C-788F-0C77-E7CE6EBB865F}"/>
+                <a16:creationId xmlns:a16="http://schemas.microsoft.com/office/drawing/2014/main" xmlns="" id="{C6D113C6-EA5C-788F-0C77-E7CE6EBB865F}"/>
               </a:ext>
             </a:extLst>
           </p:cNvPr>
@@ -13099,7 +13076,7 @@
           <p:cNvPr id="18" name="직사각형 17">
             <a:extLst>
               <a:ext uri="{FF2B5EF4-FFF2-40B4-BE49-F238E27FC236}">
-                <a16:creationId xmlns="" xmlns:a16="http://schemas.microsoft.com/office/drawing/2014/main" id="{FFF506F9-840A-0508-4CAF-3AC711D8D5CE}"/>
+                <a16:creationId xmlns:a16="http://schemas.microsoft.com/office/drawing/2014/main" xmlns="" id="{FFF506F9-840A-0508-4CAF-3AC711D8D5CE}"/>
               </a:ext>
             </a:extLst>
           </p:cNvPr>
@@ -13188,7 +13165,7 @@
           <p:cNvPr id="4" name="TextBox 3">
             <a:extLst>
               <a:ext uri="{FF2B5EF4-FFF2-40B4-BE49-F238E27FC236}">
-                <a16:creationId xmlns="" xmlns:a16="http://schemas.microsoft.com/office/drawing/2014/main" id="{5ADC00B6-990A-40DC-3CEA-505258F5E8DA}"/>
+                <a16:creationId xmlns:a16="http://schemas.microsoft.com/office/drawing/2014/main" xmlns="" id="{5ADC00B6-990A-40DC-3CEA-505258F5E8DA}"/>
               </a:ext>
             </a:extLst>
           </p:cNvPr>
@@ -13236,7 +13213,7 @@
           <p:cNvPr id="5" name="TextBox 4">
             <a:extLst>
               <a:ext uri="{FF2B5EF4-FFF2-40B4-BE49-F238E27FC236}">
-                <a16:creationId xmlns="" xmlns:a16="http://schemas.microsoft.com/office/drawing/2014/main" id="{52176D31-35F7-8916-46FA-6095EFEC1E49}"/>
+                <a16:creationId xmlns:a16="http://schemas.microsoft.com/office/drawing/2014/main" xmlns="" id="{52176D31-35F7-8916-46FA-6095EFEC1E49}"/>
               </a:ext>
             </a:extLst>
           </p:cNvPr>
@@ -14111,7 +14088,7 @@
           <p:cNvPr id="6" name="직선 화살표 연결선 5">
             <a:extLst>
               <a:ext uri="{FF2B5EF4-FFF2-40B4-BE49-F238E27FC236}">
-                <a16:creationId xmlns="" xmlns:a16="http://schemas.microsoft.com/office/drawing/2014/main" id="{299DF5EC-9DF4-5255-06AC-0A7CE4FF58C3}"/>
+                <a16:creationId xmlns:a16="http://schemas.microsoft.com/office/drawing/2014/main" xmlns="" id="{299DF5EC-9DF4-5255-06AC-0A7CE4FF58C3}"/>
               </a:ext>
             </a:extLst>
           </p:cNvPr>
@@ -14152,7 +14129,7 @@
           <p:cNvPr id="7" name="직사각형 6">
             <a:extLst>
               <a:ext uri="{FF2B5EF4-FFF2-40B4-BE49-F238E27FC236}">
-                <a16:creationId xmlns="" xmlns:a16="http://schemas.microsoft.com/office/drawing/2014/main" id="{FFF506F9-840A-0508-4CAF-3AC711D8D5CE}"/>
+                <a16:creationId xmlns:a16="http://schemas.microsoft.com/office/drawing/2014/main" xmlns="" id="{FFF506F9-840A-0508-4CAF-3AC711D8D5CE}"/>
               </a:ext>
             </a:extLst>
           </p:cNvPr>
@@ -14204,7 +14181,7 @@
           <p:cNvPr id="8" name="TextBox 7">
             <a:extLst>
               <a:ext uri="{FF2B5EF4-FFF2-40B4-BE49-F238E27FC236}">
-                <a16:creationId xmlns="" xmlns:a16="http://schemas.microsoft.com/office/drawing/2014/main" id="{C6D113C6-EA5C-788F-0C77-E7CE6EBB865F}"/>
+                <a16:creationId xmlns:a16="http://schemas.microsoft.com/office/drawing/2014/main" xmlns="" id="{C6D113C6-EA5C-788F-0C77-E7CE6EBB865F}"/>
               </a:ext>
             </a:extLst>
           </p:cNvPr>
@@ -14272,7 +14249,7 @@
           <p:cNvPr id="14" name="직선 화살표 연결선 13">
             <a:extLst>
               <a:ext uri="{FF2B5EF4-FFF2-40B4-BE49-F238E27FC236}">
-                <a16:creationId xmlns="" xmlns:a16="http://schemas.microsoft.com/office/drawing/2014/main" id="{299DF5EC-9DF4-5255-06AC-0A7CE4FF58C3}"/>
+                <a16:creationId xmlns:a16="http://schemas.microsoft.com/office/drawing/2014/main" xmlns="" id="{299DF5EC-9DF4-5255-06AC-0A7CE4FF58C3}"/>
               </a:ext>
             </a:extLst>
           </p:cNvPr>
@@ -14313,7 +14290,7 @@
           <p:cNvPr id="15" name="직사각형 14">
             <a:extLst>
               <a:ext uri="{FF2B5EF4-FFF2-40B4-BE49-F238E27FC236}">
-                <a16:creationId xmlns="" xmlns:a16="http://schemas.microsoft.com/office/drawing/2014/main" id="{FFF506F9-840A-0508-4CAF-3AC711D8D5CE}"/>
+                <a16:creationId xmlns:a16="http://schemas.microsoft.com/office/drawing/2014/main" xmlns="" id="{FFF506F9-840A-0508-4CAF-3AC711D8D5CE}"/>
               </a:ext>
             </a:extLst>
           </p:cNvPr>
@@ -14365,7 +14342,7 @@
           <p:cNvPr id="16" name="TextBox 15">
             <a:extLst>
               <a:ext uri="{FF2B5EF4-FFF2-40B4-BE49-F238E27FC236}">
-                <a16:creationId xmlns="" xmlns:a16="http://schemas.microsoft.com/office/drawing/2014/main" id="{C6D113C6-EA5C-788F-0C77-E7CE6EBB865F}"/>
+                <a16:creationId xmlns:a16="http://schemas.microsoft.com/office/drawing/2014/main" xmlns="" id="{C6D113C6-EA5C-788F-0C77-E7CE6EBB865F}"/>
               </a:ext>
             </a:extLst>
           </p:cNvPr>
@@ -14413,7 +14390,7 @@
           <p:cNvPr id="17" name="TextBox 16">
             <a:extLst>
               <a:ext uri="{FF2B5EF4-FFF2-40B4-BE49-F238E27FC236}">
-                <a16:creationId xmlns="" xmlns:a16="http://schemas.microsoft.com/office/drawing/2014/main" id="{5ADC00B6-990A-40DC-3CEA-505258F5E8DA}"/>
+                <a16:creationId xmlns:a16="http://schemas.microsoft.com/office/drawing/2014/main" xmlns="" id="{5ADC00B6-990A-40DC-3CEA-505258F5E8DA}"/>
               </a:ext>
             </a:extLst>
           </p:cNvPr>
@@ -14556,7 +14533,7 @@
           <p:cNvPr id="5" name="TextBox 4">
             <a:extLst>
               <a:ext uri="{FF2B5EF4-FFF2-40B4-BE49-F238E27FC236}">
-                <a16:creationId xmlns:a16="http://schemas.microsoft.com/office/drawing/2014/main" xmlns="" id="{DF7DDD33-9412-2802-339A-E55446AC2DA7}"/>
+                <a16:creationId xmlns="" xmlns:a16="http://schemas.microsoft.com/office/drawing/2014/main" id="{DF7DDD33-9412-2802-339A-E55446AC2DA7}"/>
               </a:ext>
             </a:extLst>
           </p:cNvPr>
@@ -14604,7 +14581,7 @@
           <p:cNvPr id="6" name="TextBox 5">
             <a:extLst>
               <a:ext uri="{FF2B5EF4-FFF2-40B4-BE49-F238E27FC236}">
-                <a16:creationId xmlns:a16="http://schemas.microsoft.com/office/drawing/2014/main" xmlns="" id="{F68B80B8-3419-5C31-B2F2-084E536A2C1C}"/>
+                <a16:creationId xmlns="" xmlns:a16="http://schemas.microsoft.com/office/drawing/2014/main" id="{F68B80B8-3419-5C31-B2F2-084E536A2C1C}"/>
               </a:ext>
             </a:extLst>
           </p:cNvPr>
@@ -14656,7 +14633,7 @@
           <p:cNvPr id="7" name="직사각형 6">
             <a:extLst>
               <a:ext uri="{FF2B5EF4-FFF2-40B4-BE49-F238E27FC236}">
-                <a16:creationId xmlns:a16="http://schemas.microsoft.com/office/drawing/2014/main" xmlns="" id="{FFF506F9-840A-0508-4CAF-3AC711D8D5CE}"/>
+                <a16:creationId xmlns="" xmlns:a16="http://schemas.microsoft.com/office/drawing/2014/main" id="{FFF506F9-840A-0508-4CAF-3AC711D8D5CE}"/>
               </a:ext>
             </a:extLst>
           </p:cNvPr>
@@ -14708,7 +14685,7 @@
           <p:cNvPr id="9" name="직사각형 8">
             <a:extLst>
               <a:ext uri="{FF2B5EF4-FFF2-40B4-BE49-F238E27FC236}">
-                <a16:creationId xmlns:a16="http://schemas.microsoft.com/office/drawing/2014/main" xmlns="" id="{FFF506F9-840A-0508-4CAF-3AC711D8D5CE}"/>
+                <a16:creationId xmlns="" xmlns:a16="http://schemas.microsoft.com/office/drawing/2014/main" id="{FFF506F9-840A-0508-4CAF-3AC711D8D5CE}"/>
               </a:ext>
             </a:extLst>
           </p:cNvPr>
@@ -14760,7 +14737,7 @@
           <p:cNvPr id="10" name="TextBox 9">
             <a:extLst>
               <a:ext uri="{FF2B5EF4-FFF2-40B4-BE49-F238E27FC236}">
-                <a16:creationId xmlns="" xmlns:a16="http://schemas.microsoft.com/office/drawing/2014/main" id="{C6D113C6-EA5C-788F-0C77-E7CE6EBB865F}"/>
+                <a16:creationId xmlns:a16="http://schemas.microsoft.com/office/drawing/2014/main" xmlns="" id="{C6D113C6-EA5C-788F-0C77-E7CE6EBB865F}"/>
               </a:ext>
             </a:extLst>
           </p:cNvPr>
@@ -14832,7 +14809,7 @@
           <p:cNvPr id="13" name="직사각형 12">
             <a:extLst>
               <a:ext uri="{FF2B5EF4-FFF2-40B4-BE49-F238E27FC236}">
-                <a16:creationId xmlns:a16="http://schemas.microsoft.com/office/drawing/2014/main" xmlns="" id="{FFF506F9-840A-0508-4CAF-3AC711D8D5CE}"/>
+                <a16:creationId xmlns="" xmlns:a16="http://schemas.microsoft.com/office/drawing/2014/main" id="{FFF506F9-840A-0508-4CAF-3AC711D8D5CE}"/>
               </a:ext>
             </a:extLst>
           </p:cNvPr>
@@ -14884,7 +14861,7 @@
           <p:cNvPr id="14" name="TextBox 13">
             <a:extLst>
               <a:ext uri="{FF2B5EF4-FFF2-40B4-BE49-F238E27FC236}">
-                <a16:creationId xmlns="" xmlns:a16="http://schemas.microsoft.com/office/drawing/2014/main" id="{C6D113C6-EA5C-788F-0C77-E7CE6EBB865F}"/>
+                <a16:creationId xmlns:a16="http://schemas.microsoft.com/office/drawing/2014/main" xmlns="" id="{C6D113C6-EA5C-788F-0C77-E7CE6EBB865F}"/>
               </a:ext>
             </a:extLst>
           </p:cNvPr>
@@ -14956,7 +14933,7 @@
           <p:cNvPr id="16" name="직사각형 15">
             <a:extLst>
               <a:ext uri="{FF2B5EF4-FFF2-40B4-BE49-F238E27FC236}">
-                <a16:creationId xmlns:a16="http://schemas.microsoft.com/office/drawing/2014/main" xmlns="" id="{FFF506F9-840A-0508-4CAF-3AC711D8D5CE}"/>
+                <a16:creationId xmlns="" xmlns:a16="http://schemas.microsoft.com/office/drawing/2014/main" id="{FFF506F9-840A-0508-4CAF-3AC711D8D5CE}"/>
               </a:ext>
             </a:extLst>
           </p:cNvPr>
@@ -15008,7 +14985,7 @@
           <p:cNvPr id="17" name="TextBox 16">
             <a:extLst>
               <a:ext uri="{FF2B5EF4-FFF2-40B4-BE49-F238E27FC236}">
-                <a16:creationId xmlns="" xmlns:a16="http://schemas.microsoft.com/office/drawing/2014/main" id="{C6D113C6-EA5C-788F-0C77-E7CE6EBB865F}"/>
+                <a16:creationId xmlns:a16="http://schemas.microsoft.com/office/drawing/2014/main" xmlns="" id="{C6D113C6-EA5C-788F-0C77-E7CE6EBB865F}"/>
               </a:ext>
             </a:extLst>
           </p:cNvPr>
@@ -15056,7 +15033,7 @@
           <p:cNvPr id="19" name="TextBox 18">
             <a:extLst>
               <a:ext uri="{FF2B5EF4-FFF2-40B4-BE49-F238E27FC236}">
-                <a16:creationId xmlns="" xmlns:a16="http://schemas.microsoft.com/office/drawing/2014/main" id="{C6D113C6-EA5C-788F-0C77-E7CE6EBB865F}"/>
+                <a16:creationId xmlns:a16="http://schemas.microsoft.com/office/drawing/2014/main" xmlns="" id="{C6D113C6-EA5C-788F-0C77-E7CE6EBB865F}"/>
               </a:ext>
             </a:extLst>
           </p:cNvPr>
@@ -15175,7 +15152,7 @@
           <p:cNvPr id="5" name="TextBox 4">
             <a:extLst>
               <a:ext uri="{FF2B5EF4-FFF2-40B4-BE49-F238E27FC236}">
-                <a16:creationId xmlns="" xmlns:a16="http://schemas.microsoft.com/office/drawing/2014/main" id="{5ADC00B6-990A-40DC-3CEA-505258F5E8DA}"/>
+                <a16:creationId xmlns:a16="http://schemas.microsoft.com/office/drawing/2014/main" xmlns="" id="{5ADC00B6-990A-40DC-3CEA-505258F5E8DA}"/>
               </a:ext>
             </a:extLst>
           </p:cNvPr>
@@ -15233,7 +15210,7 @@
           <p:cNvPr id="7" name="직사각형 6">
             <a:extLst>
               <a:ext uri="{FF2B5EF4-FFF2-40B4-BE49-F238E27FC236}">
-                <a16:creationId xmlns="" xmlns:a16="http://schemas.microsoft.com/office/drawing/2014/main" id="{FFF506F9-840A-0508-4CAF-3AC711D8D5CE}"/>
+                <a16:creationId xmlns:a16="http://schemas.microsoft.com/office/drawing/2014/main" xmlns="" id="{FFF506F9-840A-0508-4CAF-3AC711D8D5CE}"/>
               </a:ext>
             </a:extLst>
           </p:cNvPr>
@@ -15285,7 +15262,7 @@
           <p:cNvPr id="8" name="직사각형 7">
             <a:extLst>
               <a:ext uri="{FF2B5EF4-FFF2-40B4-BE49-F238E27FC236}">
-                <a16:creationId xmlns="" xmlns:a16="http://schemas.microsoft.com/office/drawing/2014/main" id="{FFF506F9-840A-0508-4CAF-3AC711D8D5CE}"/>
+                <a16:creationId xmlns:a16="http://schemas.microsoft.com/office/drawing/2014/main" xmlns="" id="{FFF506F9-840A-0508-4CAF-3AC711D8D5CE}"/>
               </a:ext>
             </a:extLst>
           </p:cNvPr>
@@ -15422,7 +15399,7 @@
           <p:cNvPr id="6" name="직사각형 5">
             <a:extLst>
               <a:ext uri="{FF2B5EF4-FFF2-40B4-BE49-F238E27FC236}">
-                <a16:creationId xmlns="" xmlns:a16="http://schemas.microsoft.com/office/drawing/2014/main" id="{FFF506F9-840A-0508-4CAF-3AC711D8D5CE}"/>
+                <a16:creationId xmlns:a16="http://schemas.microsoft.com/office/drawing/2014/main" xmlns="" id="{FFF506F9-840A-0508-4CAF-3AC711D8D5CE}"/>
               </a:ext>
             </a:extLst>
           </p:cNvPr>
@@ -15474,7 +15451,7 @@
           <p:cNvPr id="7" name="직사각형 6">
             <a:extLst>
               <a:ext uri="{FF2B5EF4-FFF2-40B4-BE49-F238E27FC236}">
-                <a16:creationId xmlns="" xmlns:a16="http://schemas.microsoft.com/office/drawing/2014/main" id="{FFF506F9-840A-0508-4CAF-3AC711D8D5CE}"/>
+                <a16:creationId xmlns:a16="http://schemas.microsoft.com/office/drawing/2014/main" xmlns="" id="{FFF506F9-840A-0508-4CAF-3AC711D8D5CE}"/>
               </a:ext>
             </a:extLst>
           </p:cNvPr>
@@ -15611,7 +15588,7 @@
           <p:cNvPr id="6" name="직사각형 5">
             <a:extLst>
               <a:ext uri="{FF2B5EF4-FFF2-40B4-BE49-F238E27FC236}">
-                <a16:creationId xmlns="" xmlns:a16="http://schemas.microsoft.com/office/drawing/2014/main" id="{FFF506F9-840A-0508-4CAF-3AC711D8D5CE}"/>
+                <a16:creationId xmlns:a16="http://schemas.microsoft.com/office/drawing/2014/main" xmlns="" id="{FFF506F9-840A-0508-4CAF-3AC711D8D5CE}"/>
               </a:ext>
             </a:extLst>
           </p:cNvPr>
@@ -15663,7 +15640,7 @@
           <p:cNvPr id="7" name="직선 화살표 연결선 6">
             <a:extLst>
               <a:ext uri="{FF2B5EF4-FFF2-40B4-BE49-F238E27FC236}">
-                <a16:creationId xmlns="" xmlns:a16="http://schemas.microsoft.com/office/drawing/2014/main" id="{299DF5EC-9DF4-5255-06AC-0A7CE4FF58C3}"/>
+                <a16:creationId xmlns:a16="http://schemas.microsoft.com/office/drawing/2014/main" xmlns="" id="{299DF5EC-9DF4-5255-06AC-0A7CE4FF58C3}"/>
               </a:ext>
             </a:extLst>
           </p:cNvPr>
@@ -15704,7 +15681,7 @@
           <p:cNvPr id="8" name="TextBox 7">
             <a:extLst>
               <a:ext uri="{FF2B5EF4-FFF2-40B4-BE49-F238E27FC236}">
-                <a16:creationId xmlns="" xmlns:a16="http://schemas.microsoft.com/office/drawing/2014/main" id="{C6D113C6-EA5C-788F-0C77-E7CE6EBB865F}"/>
+                <a16:creationId xmlns:a16="http://schemas.microsoft.com/office/drawing/2014/main" xmlns="" id="{C6D113C6-EA5C-788F-0C77-E7CE6EBB865F}"/>
               </a:ext>
             </a:extLst>
           </p:cNvPr>
@@ -15811,7 +15788,7 @@
           <p:cNvPr id="10" name="TextBox 9">
             <a:extLst>
               <a:ext uri="{FF2B5EF4-FFF2-40B4-BE49-F238E27FC236}">
-                <a16:creationId xmlns="" xmlns:a16="http://schemas.microsoft.com/office/drawing/2014/main" id="{5ADC00B6-990A-40DC-3CEA-505258F5E8DA}"/>
+                <a16:creationId xmlns:a16="http://schemas.microsoft.com/office/drawing/2014/main" xmlns="" id="{5ADC00B6-990A-40DC-3CEA-505258F5E8DA}"/>
               </a:ext>
             </a:extLst>
           </p:cNvPr>
@@ -15967,7 +15944,7 @@
           <p:cNvPr id="4" name="TextBox 3">
             <a:extLst>
               <a:ext uri="{FF2B5EF4-FFF2-40B4-BE49-F238E27FC236}">
-                <a16:creationId xmlns="" xmlns:a16="http://schemas.microsoft.com/office/drawing/2014/main" id="{5ADC00B6-990A-40DC-3CEA-505258F5E8DA}"/>
+                <a16:creationId xmlns:a16="http://schemas.microsoft.com/office/drawing/2014/main" xmlns="" id="{5ADC00B6-990A-40DC-3CEA-505258F5E8DA}"/>
               </a:ext>
             </a:extLst>
           </p:cNvPr>
@@ -16062,7 +16039,7 @@
           <p:cNvPr id="4" name="TextBox 3">
             <a:extLst>
               <a:ext uri="{FF2B5EF4-FFF2-40B4-BE49-F238E27FC236}">
-                <a16:creationId xmlns="" xmlns:a16="http://schemas.microsoft.com/office/drawing/2014/main" id="{5ADC00B6-990A-40DC-3CEA-505258F5E8DA}"/>
+                <a16:creationId xmlns:a16="http://schemas.microsoft.com/office/drawing/2014/main" xmlns="" id="{5ADC00B6-990A-40DC-3CEA-505258F5E8DA}"/>
               </a:ext>
             </a:extLst>
           </p:cNvPr>
@@ -16221,7 +16198,7 @@
           <p:cNvPr id="5" name="직선 화살표 연결선 4">
             <a:extLst>
               <a:ext uri="{FF2B5EF4-FFF2-40B4-BE49-F238E27FC236}">
-                <a16:creationId xmlns="" xmlns:a16="http://schemas.microsoft.com/office/drawing/2014/main" id="{299DF5EC-9DF4-5255-06AC-0A7CE4FF58C3}"/>
+                <a16:creationId xmlns:a16="http://schemas.microsoft.com/office/drawing/2014/main" xmlns="" id="{299DF5EC-9DF4-5255-06AC-0A7CE4FF58C3}"/>
               </a:ext>
             </a:extLst>
           </p:cNvPr>
@@ -16263,7 +16240,7 @@
           <p:cNvPr id="6" name="직사각형 5">
             <a:extLst>
               <a:ext uri="{FF2B5EF4-FFF2-40B4-BE49-F238E27FC236}">
-                <a16:creationId xmlns="" xmlns:a16="http://schemas.microsoft.com/office/drawing/2014/main" id="{FFF506F9-840A-0508-4CAF-3AC711D8D5CE}"/>
+                <a16:creationId xmlns:a16="http://schemas.microsoft.com/office/drawing/2014/main" xmlns="" id="{FFF506F9-840A-0508-4CAF-3AC711D8D5CE}"/>
               </a:ext>
             </a:extLst>
           </p:cNvPr>
@@ -16315,7 +16292,7 @@
           <p:cNvPr id="7" name="TextBox 6">
             <a:extLst>
               <a:ext uri="{FF2B5EF4-FFF2-40B4-BE49-F238E27FC236}">
-                <a16:creationId xmlns="" xmlns:a16="http://schemas.microsoft.com/office/drawing/2014/main" id="{C6D113C6-EA5C-788F-0C77-E7CE6EBB865F}"/>
+                <a16:creationId xmlns:a16="http://schemas.microsoft.com/office/drawing/2014/main" xmlns="" id="{C6D113C6-EA5C-788F-0C77-E7CE6EBB865F}"/>
               </a:ext>
             </a:extLst>
           </p:cNvPr>
@@ -16434,7 +16411,7 @@
           <p:cNvPr id="5" name="직선 화살표 연결선 4">
             <a:extLst>
               <a:ext uri="{FF2B5EF4-FFF2-40B4-BE49-F238E27FC236}">
-                <a16:creationId xmlns="" xmlns:a16="http://schemas.microsoft.com/office/drawing/2014/main" id="{299DF5EC-9DF4-5255-06AC-0A7CE4FF58C3}"/>
+                <a16:creationId xmlns:a16="http://schemas.microsoft.com/office/drawing/2014/main" xmlns="" id="{299DF5EC-9DF4-5255-06AC-0A7CE4FF58C3}"/>
               </a:ext>
             </a:extLst>
           </p:cNvPr>
@@ -16475,7 +16452,7 @@
           <p:cNvPr id="6" name="직사각형 5">
             <a:extLst>
               <a:ext uri="{FF2B5EF4-FFF2-40B4-BE49-F238E27FC236}">
-                <a16:creationId xmlns="" xmlns:a16="http://schemas.microsoft.com/office/drawing/2014/main" id="{FFF506F9-840A-0508-4CAF-3AC711D8D5CE}"/>
+                <a16:creationId xmlns:a16="http://schemas.microsoft.com/office/drawing/2014/main" xmlns="" id="{FFF506F9-840A-0508-4CAF-3AC711D8D5CE}"/>
               </a:ext>
             </a:extLst>
           </p:cNvPr>
@@ -16527,7 +16504,7 @@
           <p:cNvPr id="7" name="TextBox 6">
             <a:extLst>
               <a:ext uri="{FF2B5EF4-FFF2-40B4-BE49-F238E27FC236}">
-                <a16:creationId xmlns="" xmlns:a16="http://schemas.microsoft.com/office/drawing/2014/main" id="{C6D113C6-EA5C-788F-0C77-E7CE6EBB865F}"/>
+                <a16:creationId xmlns:a16="http://schemas.microsoft.com/office/drawing/2014/main" xmlns="" id="{C6D113C6-EA5C-788F-0C77-E7CE6EBB865F}"/>
               </a:ext>
             </a:extLst>
           </p:cNvPr>
@@ -16605,7 +16582,7 @@
           <p:cNvPr id="8" name="TextBox 7">
             <a:extLst>
               <a:ext uri="{FF2B5EF4-FFF2-40B4-BE49-F238E27FC236}">
-                <a16:creationId xmlns="" xmlns:a16="http://schemas.microsoft.com/office/drawing/2014/main" id="{5ADC00B6-990A-40DC-3CEA-505258F5E8DA}"/>
+                <a16:creationId xmlns:a16="http://schemas.microsoft.com/office/drawing/2014/main" xmlns="" id="{5ADC00B6-990A-40DC-3CEA-505258F5E8DA}"/>
               </a:ext>
             </a:extLst>
           </p:cNvPr>
@@ -16854,7 +16831,7 @@
           <p:cNvPr id="4" name="TextBox 3">
             <a:extLst>
               <a:ext uri="{FF2B5EF4-FFF2-40B4-BE49-F238E27FC236}">
-                <a16:creationId xmlns="" xmlns:a16="http://schemas.microsoft.com/office/drawing/2014/main" id="{5ADC00B6-990A-40DC-3CEA-505258F5E8DA}"/>
+                <a16:creationId xmlns:a16="http://schemas.microsoft.com/office/drawing/2014/main" xmlns="" id="{5ADC00B6-990A-40DC-3CEA-505258F5E8DA}"/>
               </a:ext>
             </a:extLst>
           </p:cNvPr>
@@ -16956,7 +16933,7 @@
           <p:cNvPr id="6" name="TextBox 5">
             <a:extLst>
               <a:ext uri="{FF2B5EF4-FFF2-40B4-BE49-F238E27FC236}">
-                <a16:creationId xmlns="" xmlns:a16="http://schemas.microsoft.com/office/drawing/2014/main" id="{5ADC00B6-990A-40DC-3CEA-505258F5E8DA}"/>
+                <a16:creationId xmlns:a16="http://schemas.microsoft.com/office/drawing/2014/main" xmlns="" id="{5ADC00B6-990A-40DC-3CEA-505258F5E8DA}"/>
               </a:ext>
             </a:extLst>
           </p:cNvPr>
@@ -17004,7 +16981,7 @@
           <p:cNvPr id="7" name="직선 화살표 연결선 6">
             <a:extLst>
               <a:ext uri="{FF2B5EF4-FFF2-40B4-BE49-F238E27FC236}">
-                <a16:creationId xmlns="" xmlns:a16="http://schemas.microsoft.com/office/drawing/2014/main" id="{299DF5EC-9DF4-5255-06AC-0A7CE4FF58C3}"/>
+                <a16:creationId xmlns:a16="http://schemas.microsoft.com/office/drawing/2014/main" xmlns="" id="{299DF5EC-9DF4-5255-06AC-0A7CE4FF58C3}"/>
               </a:ext>
             </a:extLst>
           </p:cNvPr>
@@ -17045,7 +17022,7 @@
           <p:cNvPr id="8" name="TextBox 7">
             <a:extLst>
               <a:ext uri="{FF2B5EF4-FFF2-40B4-BE49-F238E27FC236}">
-                <a16:creationId xmlns="" xmlns:a16="http://schemas.microsoft.com/office/drawing/2014/main" id="{C6D113C6-EA5C-788F-0C77-E7CE6EBB865F}"/>
+                <a16:creationId xmlns:a16="http://schemas.microsoft.com/office/drawing/2014/main" xmlns="" id="{C6D113C6-EA5C-788F-0C77-E7CE6EBB865F}"/>
               </a:ext>
             </a:extLst>
           </p:cNvPr>
@@ -17157,7 +17134,7 @@
           <p:cNvPr id="11" name="직선 화살표 연결선 10">
             <a:extLst>
               <a:ext uri="{FF2B5EF4-FFF2-40B4-BE49-F238E27FC236}">
-                <a16:creationId xmlns="" xmlns:a16="http://schemas.microsoft.com/office/drawing/2014/main" id="{299DF5EC-9DF4-5255-06AC-0A7CE4FF58C3}"/>
+                <a16:creationId xmlns:a16="http://schemas.microsoft.com/office/drawing/2014/main" xmlns="" id="{299DF5EC-9DF4-5255-06AC-0A7CE4FF58C3}"/>
               </a:ext>
             </a:extLst>
           </p:cNvPr>
@@ -17198,7 +17175,7 @@
           <p:cNvPr id="12" name="TextBox 11">
             <a:extLst>
               <a:ext uri="{FF2B5EF4-FFF2-40B4-BE49-F238E27FC236}">
-                <a16:creationId xmlns="" xmlns:a16="http://schemas.microsoft.com/office/drawing/2014/main" id="{C6D113C6-EA5C-788F-0C77-E7CE6EBB865F}"/>
+                <a16:creationId xmlns:a16="http://schemas.microsoft.com/office/drawing/2014/main" xmlns="" id="{C6D113C6-EA5C-788F-0C77-E7CE6EBB865F}"/>
               </a:ext>
             </a:extLst>
           </p:cNvPr>
@@ -17286,7 +17263,7 @@
           <p:cNvPr id="17" name="TextBox 16">
             <a:extLst>
               <a:ext uri="{FF2B5EF4-FFF2-40B4-BE49-F238E27FC236}">
-                <a16:creationId xmlns="" xmlns:a16="http://schemas.microsoft.com/office/drawing/2014/main" id="{C6D113C6-EA5C-788F-0C77-E7CE6EBB865F}"/>
+                <a16:creationId xmlns:a16="http://schemas.microsoft.com/office/drawing/2014/main" xmlns="" id="{C6D113C6-EA5C-788F-0C77-E7CE6EBB865F}"/>
               </a:ext>
             </a:extLst>
           </p:cNvPr>
@@ -17665,7 +17642,7 @@
           <p:cNvPr id="4" name="TextBox 3">
             <a:extLst>
               <a:ext uri="{FF2B5EF4-FFF2-40B4-BE49-F238E27FC236}">
-                <a16:creationId xmlns="" xmlns:a16="http://schemas.microsoft.com/office/drawing/2014/main" id="{5ADC00B6-990A-40DC-3CEA-505258F5E8DA}"/>
+                <a16:creationId xmlns:a16="http://schemas.microsoft.com/office/drawing/2014/main" xmlns="" id="{5ADC00B6-990A-40DC-3CEA-505258F5E8DA}"/>
               </a:ext>
             </a:extLst>
           </p:cNvPr>
@@ -17723,7 +17700,7 @@
           <p:cNvPr id="5" name="TextBox 4">
             <a:extLst>
               <a:ext uri="{FF2B5EF4-FFF2-40B4-BE49-F238E27FC236}">
-                <a16:creationId xmlns="" xmlns:a16="http://schemas.microsoft.com/office/drawing/2014/main" id="{52176D31-35F7-8916-46FA-6095EFEC1E49}"/>
+                <a16:creationId xmlns:a16="http://schemas.microsoft.com/office/drawing/2014/main" xmlns="" id="{52176D31-35F7-8916-46FA-6095EFEC1E49}"/>
               </a:ext>
             </a:extLst>
           </p:cNvPr>
@@ -17818,17 +17795,7 @@
                 <a:latin typeface="G마켓 산스 Medium" panose="02000000000000000000" pitchFamily="50" charset="-127"/>
                 <a:ea typeface="G마켓 산스 Medium" panose="02000000000000000000" pitchFamily="50" charset="-127"/>
               </a:rPr>
-              <a:t>0</a:t>
-            </a:r>
-            <a:r>
-              <a:rPr lang="en-US" altLang="ko-KR" sz="3200" smtClean="0">
-                <a:solidFill>
-                  <a:srgbClr val="FF0000"/>
-                </a:solidFill>
-                <a:latin typeface="G마켓 산스 Medium" panose="02000000000000000000" pitchFamily="50" charset="-127"/>
-                <a:ea typeface="G마켓 산스 Medium" panose="02000000000000000000" pitchFamily="50" charset="-127"/>
-              </a:rPr>
-              <a:t>~23</a:t>
+              <a:t>0~23</a:t>
             </a:r>
             <a:r>
               <a:rPr lang="ko-KR" altLang="en-US" sz="3200" smtClean="0">
@@ -19170,7 +19137,7 @@
           <p:cNvPr id="6" name="직사각형 5">
             <a:extLst>
               <a:ext uri="{FF2B5EF4-FFF2-40B4-BE49-F238E27FC236}">
-                <a16:creationId xmlns:a16="http://schemas.microsoft.com/office/drawing/2014/main" xmlns="" id="{FFF506F9-840A-0508-4CAF-3AC711D8D5CE}"/>
+                <a16:creationId xmlns="" xmlns:a16="http://schemas.microsoft.com/office/drawing/2014/main" id="{FFF506F9-840A-0508-4CAF-3AC711D8D5CE}"/>
               </a:ext>
             </a:extLst>
           </p:cNvPr>
@@ -19222,7 +19189,7 @@
           <p:cNvPr id="7" name="직사각형 6">
             <a:extLst>
               <a:ext uri="{FF2B5EF4-FFF2-40B4-BE49-F238E27FC236}">
-                <a16:creationId xmlns:a16="http://schemas.microsoft.com/office/drawing/2014/main" xmlns="" id="{FFF506F9-840A-0508-4CAF-3AC711D8D5CE}"/>
+                <a16:creationId xmlns="" xmlns:a16="http://schemas.microsoft.com/office/drawing/2014/main" id="{FFF506F9-840A-0508-4CAF-3AC711D8D5CE}"/>
               </a:ext>
             </a:extLst>
           </p:cNvPr>
@@ -19298,7 +19265,7 @@
           <p:cNvPr id="9" name="직사각형 8">
             <a:extLst>
               <a:ext uri="{FF2B5EF4-FFF2-40B4-BE49-F238E27FC236}">
-                <a16:creationId xmlns:a16="http://schemas.microsoft.com/office/drawing/2014/main" xmlns="" id="{FFF506F9-840A-0508-4CAF-3AC711D8D5CE}"/>
+                <a16:creationId xmlns="" xmlns:a16="http://schemas.microsoft.com/office/drawing/2014/main" id="{FFF506F9-840A-0508-4CAF-3AC711D8D5CE}"/>
               </a:ext>
             </a:extLst>
           </p:cNvPr>
@@ -19350,7 +19317,7 @@
           <p:cNvPr id="10" name="직선 화살표 연결선 9">
             <a:extLst>
               <a:ext uri="{FF2B5EF4-FFF2-40B4-BE49-F238E27FC236}">
-                <a16:creationId xmlns:a16="http://schemas.microsoft.com/office/drawing/2014/main" xmlns="" id="{174A1CAB-41DB-CBE5-A53E-D1E78982E7D5}"/>
+                <a16:creationId xmlns="" xmlns:a16="http://schemas.microsoft.com/office/drawing/2014/main" id="{174A1CAB-41DB-CBE5-A53E-D1E78982E7D5}"/>
               </a:ext>
             </a:extLst>
           </p:cNvPr>
@@ -19391,7 +19358,7 @@
           <p:cNvPr id="12" name="TextBox 11">
             <a:extLst>
               <a:ext uri="{FF2B5EF4-FFF2-40B4-BE49-F238E27FC236}">
-                <a16:creationId xmlns="" xmlns:a16="http://schemas.microsoft.com/office/drawing/2014/main" id="{C6D113C6-EA5C-788F-0C77-E7CE6EBB865F}"/>
+                <a16:creationId xmlns:a16="http://schemas.microsoft.com/office/drawing/2014/main" xmlns="" id="{C6D113C6-EA5C-788F-0C77-E7CE6EBB865F}"/>
               </a:ext>
             </a:extLst>
           </p:cNvPr>
@@ -19478,7 +19445,7 @@
           <p:cNvPr id="13" name="직사각형 12">
             <a:extLst>
               <a:ext uri="{FF2B5EF4-FFF2-40B4-BE49-F238E27FC236}">
-                <a16:creationId xmlns:a16="http://schemas.microsoft.com/office/drawing/2014/main" xmlns="" id="{FFF506F9-840A-0508-4CAF-3AC711D8D5CE}"/>
+                <a16:creationId xmlns="" xmlns:a16="http://schemas.microsoft.com/office/drawing/2014/main" id="{FFF506F9-840A-0508-4CAF-3AC711D8D5CE}"/>
               </a:ext>
             </a:extLst>
           </p:cNvPr>
@@ -19530,7 +19497,7 @@
           <p:cNvPr id="14" name="직선 화살표 연결선 13">
             <a:extLst>
               <a:ext uri="{FF2B5EF4-FFF2-40B4-BE49-F238E27FC236}">
-                <a16:creationId xmlns:a16="http://schemas.microsoft.com/office/drawing/2014/main" xmlns="" id="{174A1CAB-41DB-CBE5-A53E-D1E78982E7D5}"/>
+                <a16:creationId xmlns="" xmlns:a16="http://schemas.microsoft.com/office/drawing/2014/main" id="{174A1CAB-41DB-CBE5-A53E-D1E78982E7D5}"/>
               </a:ext>
             </a:extLst>
           </p:cNvPr>
@@ -19571,7 +19538,7 @@
           <p:cNvPr id="16" name="TextBox 15">
             <a:extLst>
               <a:ext uri="{FF2B5EF4-FFF2-40B4-BE49-F238E27FC236}">
-                <a16:creationId xmlns="" xmlns:a16="http://schemas.microsoft.com/office/drawing/2014/main" id="{C6D113C6-EA5C-788F-0C77-E7CE6EBB865F}"/>
+                <a16:creationId xmlns:a16="http://schemas.microsoft.com/office/drawing/2014/main" xmlns="" id="{C6D113C6-EA5C-788F-0C77-E7CE6EBB865F}"/>
               </a:ext>
             </a:extLst>
           </p:cNvPr>
@@ -19695,7 +19662,7 @@
           <p:cNvPr id="4" name="TextBox 3">
             <a:extLst>
               <a:ext uri="{FF2B5EF4-FFF2-40B4-BE49-F238E27FC236}">
-                <a16:creationId xmlns="" xmlns:a16="http://schemas.microsoft.com/office/drawing/2014/main" id="{52176D31-35F7-8916-46FA-6095EFEC1E49}"/>
+                <a16:creationId xmlns:a16="http://schemas.microsoft.com/office/drawing/2014/main" xmlns="" id="{52176D31-35F7-8916-46FA-6095EFEC1E49}"/>
               </a:ext>
             </a:extLst>
           </p:cNvPr>
@@ -19705,7 +19672,7 @@
         <p:spPr>
           <a:xfrm>
             <a:off x="990600" y="495300"/>
-            <a:ext cx="8166023" cy="584775"/>
+            <a:ext cx="16078200" cy="4031873"/>
           </a:xfrm>
           <a:prstGeom prst="rect">
             <a:avLst/>
@@ -19742,7 +19709,20 @@
                 <a:latin typeface="G마켓 산스 Medium" panose="02000000000000000000" pitchFamily="50" charset="-127"/>
                 <a:ea typeface="G마켓 산스 Medium" panose="02000000000000000000" pitchFamily="50" charset="-127"/>
               </a:rPr>
-              <a:t>싱글톤 패턴 만들기</a:t>
+              <a:t>싱글톤 패턴 </a:t>
+            </a:r>
+            <a:r>
+              <a:rPr lang="ko-KR" altLang="en-US" sz="3200" smtClean="0">
+                <a:solidFill>
+                  <a:schemeClr val="tx1">
+                    <a:lumMod val="50000"/>
+                    <a:lumOff val="50000"/>
+                  </a:schemeClr>
+                </a:solidFill>
+                <a:latin typeface="G마켓 산스 Medium" panose="02000000000000000000" pitchFamily="50" charset="-127"/>
+                <a:ea typeface="G마켓 산스 Medium" panose="02000000000000000000" pitchFamily="50" charset="-127"/>
+              </a:rPr>
+              <a:t>만들기</a:t>
             </a:r>
             <a:endParaRPr lang="en-US" altLang="ko-KR" sz="3200" smtClean="0">
               <a:solidFill>
@@ -19755,8 +19735,369 @@
               <a:ea typeface="G마켓 산스 Medium" panose="02000000000000000000" pitchFamily="50" charset="-127"/>
             </a:endParaRPr>
           </a:p>
+          <a:p>
+            <a:endParaRPr lang="en-US" altLang="ko-KR" sz="3200" smtClean="0">
+              <a:solidFill>
+                <a:schemeClr val="tx1">
+                  <a:lumMod val="50000"/>
+                  <a:lumOff val="50000"/>
+                </a:schemeClr>
+              </a:solidFill>
+              <a:latin typeface="G마켓 산스 Medium" panose="02000000000000000000" pitchFamily="50" charset="-127"/>
+              <a:ea typeface="G마켓 산스 Medium" panose="02000000000000000000" pitchFamily="50" charset="-127"/>
+            </a:endParaRPr>
+          </a:p>
+          <a:p>
+            <a:r>
+              <a:rPr lang="en-US" altLang="ko-KR" sz="3200" smtClean="0">
+                <a:solidFill>
+                  <a:schemeClr val="tx1">
+                    <a:lumMod val="50000"/>
+                    <a:lumOff val="50000"/>
+                  </a:schemeClr>
+                </a:solidFill>
+                <a:latin typeface="G마켓 산스 Medium" panose="02000000000000000000" pitchFamily="50" charset="-127"/>
+                <a:ea typeface="G마켓 산스 Medium" panose="02000000000000000000" pitchFamily="50" charset="-127"/>
+              </a:rPr>
+              <a:t>serverConnection </a:t>
+            </a:r>
+            <a:r>
+              <a:rPr lang="ko-KR" altLang="en-US" sz="3200" smtClean="0">
+                <a:solidFill>
+                  <a:schemeClr val="tx1">
+                    <a:lumMod val="50000"/>
+                    <a:lumOff val="50000"/>
+                  </a:schemeClr>
+                </a:solidFill>
+                <a:latin typeface="G마켓 산스 Medium" panose="02000000000000000000" pitchFamily="50" charset="-127"/>
+                <a:ea typeface="G마켓 산스 Medium" panose="02000000000000000000" pitchFamily="50" charset="-127"/>
+              </a:rPr>
+              <a:t>객체를 만들자</a:t>
+            </a:r>
+            <a:r>
+              <a:rPr lang="en-US" altLang="ko-KR" sz="3200" smtClean="0">
+                <a:solidFill>
+                  <a:schemeClr val="tx1">
+                    <a:lumMod val="50000"/>
+                    <a:lumOff val="50000"/>
+                  </a:schemeClr>
+                </a:solidFill>
+                <a:latin typeface="G마켓 산스 Medium" panose="02000000000000000000" pitchFamily="50" charset="-127"/>
+                <a:ea typeface="G마켓 산스 Medium" panose="02000000000000000000" pitchFamily="50" charset="-127"/>
+              </a:rPr>
+              <a:t>. </a:t>
+            </a:r>
+            <a:r>
+              <a:rPr lang="ko-KR" altLang="en-US" sz="3200" smtClean="0">
+                <a:solidFill>
+                  <a:schemeClr val="tx1">
+                    <a:lumMod val="50000"/>
+                    <a:lumOff val="50000"/>
+                  </a:schemeClr>
+                </a:solidFill>
+                <a:latin typeface="G마켓 산스 Medium" panose="02000000000000000000" pitchFamily="50" charset="-127"/>
+                <a:ea typeface="G마켓 산스 Medium" panose="02000000000000000000" pitchFamily="50" charset="-127"/>
+              </a:rPr>
+              <a:t>해당 객체는 프로그램이 서버와 통신하기 위한 클래스 이다</a:t>
+            </a:r>
+            <a:r>
+              <a:rPr lang="en-US" altLang="ko-KR" sz="3200" smtClean="0">
+                <a:solidFill>
+                  <a:schemeClr val="tx1">
+                    <a:lumMod val="50000"/>
+                    <a:lumOff val="50000"/>
+                  </a:schemeClr>
+                </a:solidFill>
+                <a:latin typeface="G마켓 산스 Medium" panose="02000000000000000000" pitchFamily="50" charset="-127"/>
+                <a:ea typeface="G마켓 산스 Medium" panose="02000000000000000000" pitchFamily="50" charset="-127"/>
+              </a:rPr>
+              <a:t>. </a:t>
+            </a:r>
+            <a:r>
+              <a:rPr lang="ko-KR" altLang="en-US" sz="3200" smtClean="0">
+                <a:solidFill>
+                  <a:schemeClr val="tx1">
+                    <a:lumMod val="50000"/>
+                    <a:lumOff val="50000"/>
+                  </a:schemeClr>
+                </a:solidFill>
+                <a:latin typeface="G마켓 산스 Medium" panose="02000000000000000000" pitchFamily="50" charset="-127"/>
+                <a:ea typeface="G마켓 산스 Medium" panose="02000000000000000000" pitchFamily="50" charset="-127"/>
+              </a:rPr>
+              <a:t>일반적으로 이런 클래스는 프로그램당 한 개의 객체만을 이용한다</a:t>
+            </a:r>
+            <a:r>
+              <a:rPr lang="en-US" altLang="ko-KR" sz="3200" smtClean="0">
+                <a:solidFill>
+                  <a:schemeClr val="tx1">
+                    <a:lumMod val="50000"/>
+                    <a:lumOff val="50000"/>
+                  </a:schemeClr>
+                </a:solidFill>
+                <a:latin typeface="G마켓 산스 Medium" panose="02000000000000000000" pitchFamily="50" charset="-127"/>
+                <a:ea typeface="G마켓 산스 Medium" panose="02000000000000000000" pitchFamily="50" charset="-127"/>
+              </a:rPr>
+              <a:t>.</a:t>
+            </a:r>
+          </a:p>
+          <a:p>
+            <a:r>
+              <a:rPr lang="ko-KR" altLang="en-US" sz="3200" smtClean="0">
+                <a:solidFill>
+                  <a:schemeClr val="tx1">
+                    <a:lumMod val="50000"/>
+                    <a:lumOff val="50000"/>
+                  </a:schemeClr>
+                </a:solidFill>
+                <a:latin typeface="G마켓 산스 Medium" panose="02000000000000000000" pitchFamily="50" charset="-127"/>
+                <a:ea typeface="G마켓 산스 Medium" panose="02000000000000000000" pitchFamily="50" charset="-127"/>
+              </a:rPr>
+              <a:t>이러한 구조를 체계화 해놓은것이 디자인패턴중 싱글톤패턴이다</a:t>
+            </a:r>
+            <a:r>
+              <a:rPr lang="en-US" altLang="ko-KR" sz="3200" smtClean="0">
+                <a:solidFill>
+                  <a:schemeClr val="tx1">
+                    <a:lumMod val="50000"/>
+                    <a:lumOff val="50000"/>
+                  </a:schemeClr>
+                </a:solidFill>
+                <a:latin typeface="G마켓 산스 Medium" panose="02000000000000000000" pitchFamily="50" charset="-127"/>
+                <a:ea typeface="G마켓 산스 Medium" panose="02000000000000000000" pitchFamily="50" charset="-127"/>
+              </a:rPr>
+              <a:t>.</a:t>
+            </a:r>
+          </a:p>
+          <a:p>
+            <a:endParaRPr lang="en-US" altLang="ko-KR" sz="3200" smtClean="0">
+              <a:solidFill>
+                <a:schemeClr val="tx1">
+                  <a:lumMod val="50000"/>
+                  <a:lumOff val="50000"/>
+                </a:schemeClr>
+              </a:solidFill>
+              <a:latin typeface="G마켓 산스 Medium" panose="02000000000000000000" pitchFamily="50" charset="-127"/>
+              <a:ea typeface="G마켓 산스 Medium" panose="02000000000000000000" pitchFamily="50" charset="-127"/>
+            </a:endParaRPr>
+          </a:p>
+          <a:p>
+            <a:r>
+              <a:rPr lang="en-US" altLang="ko-KR" sz="3200" smtClean="0">
+                <a:solidFill>
+                  <a:schemeClr val="tx1">
+                    <a:lumMod val="50000"/>
+                    <a:lumOff val="50000"/>
+                  </a:schemeClr>
+                </a:solidFill>
+                <a:latin typeface="G마켓 산스 Medium" panose="02000000000000000000" pitchFamily="50" charset="-127"/>
+                <a:ea typeface="G마켓 산스 Medium" panose="02000000000000000000" pitchFamily="50" charset="-127"/>
+              </a:rPr>
+              <a:t>getInstance() </a:t>
+            </a:r>
+            <a:r>
+              <a:rPr lang="ko-KR" altLang="en-US" sz="3200" smtClean="0">
+                <a:solidFill>
+                  <a:schemeClr val="tx1">
+                    <a:lumMod val="50000"/>
+                    <a:lumOff val="50000"/>
+                  </a:schemeClr>
+                </a:solidFill>
+                <a:latin typeface="G마켓 산스 Medium" panose="02000000000000000000" pitchFamily="50" charset="-127"/>
+                <a:ea typeface="G마켓 산스 Medium" panose="02000000000000000000" pitchFamily="50" charset="-127"/>
+              </a:rPr>
+              <a:t>메서드를 만들어 객체는 항상 </a:t>
+            </a:r>
+            <a:r>
+              <a:rPr lang="en-US" altLang="ko-KR" sz="3200" smtClean="0">
+                <a:solidFill>
+                  <a:schemeClr val="tx1">
+                    <a:lumMod val="50000"/>
+                    <a:lumOff val="50000"/>
+                  </a:schemeClr>
+                </a:solidFill>
+                <a:latin typeface="G마켓 산스 Medium" panose="02000000000000000000" pitchFamily="50" charset="-127"/>
+                <a:ea typeface="G마켓 산스 Medium" panose="02000000000000000000" pitchFamily="50" charset="-127"/>
+              </a:rPr>
+              <a:t>1</a:t>
+            </a:r>
+            <a:r>
+              <a:rPr lang="ko-KR" altLang="en-US" sz="3200" smtClean="0">
+                <a:solidFill>
+                  <a:schemeClr val="tx1">
+                    <a:lumMod val="50000"/>
+                    <a:lumOff val="50000"/>
+                  </a:schemeClr>
+                </a:solidFill>
+                <a:latin typeface="G마켓 산스 Medium" panose="02000000000000000000" pitchFamily="50" charset="-127"/>
+                <a:ea typeface="G마켓 산스 Medium" panose="02000000000000000000" pitchFamily="50" charset="-127"/>
+              </a:rPr>
+              <a:t>개만 유지되도록 하자</a:t>
+            </a:r>
+            <a:r>
+              <a:rPr lang="en-US" altLang="ko-KR" sz="3200" smtClean="0">
+                <a:solidFill>
+                  <a:schemeClr val="tx1">
+                    <a:lumMod val="50000"/>
+                    <a:lumOff val="50000"/>
+                  </a:schemeClr>
+                </a:solidFill>
+                <a:latin typeface="G마켓 산스 Medium" panose="02000000000000000000" pitchFamily="50" charset="-127"/>
+                <a:ea typeface="G마켓 산스 Medium" panose="02000000000000000000" pitchFamily="50" charset="-127"/>
+              </a:rPr>
+              <a:t>.</a:t>
+            </a:r>
+          </a:p>
+          <a:p>
+            <a:r>
+              <a:rPr lang="en-US" altLang="ko-KR" sz="3200" smtClean="0">
+                <a:solidFill>
+                  <a:schemeClr val="tx1">
+                    <a:lumMod val="50000"/>
+                    <a:lumOff val="50000"/>
+                  </a:schemeClr>
+                </a:solidFill>
+                <a:latin typeface="G마켓 산스 Medium" panose="02000000000000000000" pitchFamily="50" charset="-127"/>
+                <a:ea typeface="G마켓 산스 Medium" panose="02000000000000000000" pitchFamily="50" charset="-127"/>
+              </a:rPr>
+              <a:t>stati</a:t>
+            </a:r>
+            <a:r>
+              <a:rPr lang="ko-KR" altLang="en-US" sz="3200" smtClean="0">
+                <a:solidFill>
+                  <a:schemeClr val="tx1">
+                    <a:lumMod val="50000"/>
+                    <a:lumOff val="50000"/>
+                  </a:schemeClr>
+                </a:solidFill>
+                <a:latin typeface="G마켓 산스 Medium" panose="02000000000000000000" pitchFamily="50" charset="-127"/>
+                <a:ea typeface="G마켓 산스 Medium" panose="02000000000000000000" pitchFamily="50" charset="-127"/>
+              </a:rPr>
+              <a:t>과 </a:t>
+            </a:r>
+            <a:r>
+              <a:rPr lang="en-US" altLang="ko-KR" sz="3200" smtClean="0">
+                <a:solidFill>
+                  <a:schemeClr val="tx1">
+                    <a:lumMod val="50000"/>
+                    <a:lumOff val="50000"/>
+                  </a:schemeClr>
+                </a:solidFill>
+                <a:latin typeface="G마켓 산스 Medium" panose="02000000000000000000" pitchFamily="50" charset="-127"/>
+                <a:ea typeface="G마켓 산스 Medium" panose="02000000000000000000" pitchFamily="50" charset="-127"/>
+              </a:rPr>
+              <a:t>privat</a:t>
+            </a:r>
+            <a:r>
+              <a:rPr lang="ko-KR" altLang="en-US" sz="3200" smtClean="0">
+                <a:solidFill>
+                  <a:schemeClr val="tx1">
+                    <a:lumMod val="50000"/>
+                    <a:lumOff val="50000"/>
+                  </a:schemeClr>
+                </a:solidFill>
+                <a:latin typeface="G마켓 산스 Medium" panose="02000000000000000000" pitchFamily="50" charset="-127"/>
+                <a:ea typeface="G마켓 산스 Medium" panose="02000000000000000000" pitchFamily="50" charset="-127"/>
+              </a:rPr>
+              <a:t>를 활용하자</a:t>
+            </a:r>
+            <a:r>
+              <a:rPr lang="en-US" altLang="ko-KR" sz="3200" smtClean="0">
+                <a:solidFill>
+                  <a:schemeClr val="tx1">
+                    <a:lumMod val="50000"/>
+                    <a:lumOff val="50000"/>
+                  </a:schemeClr>
+                </a:solidFill>
+                <a:latin typeface="G마켓 산스 Medium" panose="02000000000000000000" pitchFamily="50" charset="-127"/>
+                <a:ea typeface="G마켓 산스 Medium" panose="02000000000000000000" pitchFamily="50" charset="-127"/>
+              </a:rPr>
+              <a:t>.</a:t>
+            </a:r>
+            <a:endParaRPr lang="en-US" altLang="ko-KR" sz="3200" smtClean="0">
+              <a:solidFill>
+                <a:schemeClr val="tx1">
+                  <a:lumMod val="50000"/>
+                  <a:lumOff val="50000"/>
+                </a:schemeClr>
+              </a:solidFill>
+              <a:latin typeface="G마켓 산스 Medium" panose="02000000000000000000" pitchFamily="50" charset="-127"/>
+              <a:ea typeface="G마켓 산스 Medium" panose="02000000000000000000" pitchFamily="50" charset="-127"/>
+            </a:endParaRPr>
+          </a:p>
         </p:txBody>
       </p:sp>
+      <p:pic>
+        <p:nvPicPr>
+          <p:cNvPr id="2" name="그림 1"/>
+          <p:cNvPicPr>
+            <a:picLocks noChangeAspect="1"/>
+          </p:cNvPicPr>
+          <p:nvPr/>
+        </p:nvPicPr>
+        <p:blipFill>
+          <a:blip r:embed="rId2"/>
+          <a:stretch>
+            <a:fillRect/>
+          </a:stretch>
+        </p:blipFill>
+        <p:spPr>
+          <a:xfrm>
+            <a:off x="228600" y="4686300"/>
+            <a:ext cx="9062618" cy="3886200"/>
+          </a:xfrm>
+          <a:prstGeom prst="rect">
+            <a:avLst/>
+          </a:prstGeom>
+        </p:spPr>
+      </p:pic>
+      <p:pic>
+        <p:nvPicPr>
+          <p:cNvPr id="3" name="그림 2"/>
+          <p:cNvPicPr>
+            <a:picLocks noChangeAspect="1"/>
+          </p:cNvPicPr>
+          <p:nvPr/>
+        </p:nvPicPr>
+        <p:blipFill>
+          <a:blip r:embed="rId3"/>
+          <a:stretch>
+            <a:fillRect/>
+          </a:stretch>
+        </p:blipFill>
+        <p:spPr>
+          <a:xfrm>
+            <a:off x="9525000" y="4686300"/>
+            <a:ext cx="8026195" cy="2530426"/>
+          </a:xfrm>
+          <a:prstGeom prst="rect">
+            <a:avLst/>
+          </a:prstGeom>
+        </p:spPr>
+      </p:pic>
+      <p:pic>
+        <p:nvPicPr>
+          <p:cNvPr id="5" name="그림 4"/>
+          <p:cNvPicPr>
+            <a:picLocks noChangeAspect="1"/>
+          </p:cNvPicPr>
+          <p:nvPr/>
+        </p:nvPicPr>
+        <p:blipFill>
+          <a:blip r:embed="rId4"/>
+          <a:stretch>
+            <a:fillRect/>
+          </a:stretch>
+        </p:blipFill>
+        <p:spPr>
+          <a:xfrm>
+            <a:off x="4114800" y="4838700"/>
+            <a:ext cx="4953000" cy="1775866"/>
+          </a:xfrm>
+          <a:prstGeom prst="rect">
+            <a:avLst/>
+          </a:prstGeom>
+        </p:spPr>
+      </p:pic>
     </p:spTree>
     <p:extLst>
       <p:ext uri="{BB962C8B-B14F-4D97-AF65-F5344CB8AC3E}">
@@ -20065,7 +20406,7 @@
           <p:cNvPr id="2" name="TextBox 1">
             <a:extLst>
               <a:ext uri="{FF2B5EF4-FFF2-40B4-BE49-F238E27FC236}">
-                <a16:creationId xmlns:a16="http://schemas.microsoft.com/office/drawing/2014/main" xmlns="" id="{715D88A2-BD52-978B-A00A-540446126E3D}"/>
+                <a16:creationId xmlns="" xmlns:a16="http://schemas.microsoft.com/office/drawing/2014/main" id="{715D88A2-BD52-978B-A00A-540446126E3D}"/>
               </a:ext>
             </a:extLst>
           </p:cNvPr>
@@ -20145,7 +20486,7 @@
           <p:cNvPr id="4" name="TextBox 3">
             <a:extLst>
               <a:ext uri="{FF2B5EF4-FFF2-40B4-BE49-F238E27FC236}">
-                <a16:creationId xmlns:a16="http://schemas.microsoft.com/office/drawing/2014/main" xmlns="" id="{DF7DDD33-9412-2802-339A-E55446AC2DA7}"/>
+                <a16:creationId xmlns="" xmlns:a16="http://schemas.microsoft.com/office/drawing/2014/main" id="{DF7DDD33-9412-2802-339A-E55446AC2DA7}"/>
               </a:ext>
             </a:extLst>
           </p:cNvPr>
@@ -20288,7 +20629,7 @@
           <p:cNvPr id="7" name="직사각형 6">
             <a:extLst>
               <a:ext uri="{FF2B5EF4-FFF2-40B4-BE49-F238E27FC236}">
-                <a16:creationId xmlns:a16="http://schemas.microsoft.com/office/drawing/2014/main" xmlns="" id="{FFF506F9-840A-0508-4CAF-3AC711D8D5CE}"/>
+                <a16:creationId xmlns="" xmlns:a16="http://schemas.microsoft.com/office/drawing/2014/main" id="{FFF506F9-840A-0508-4CAF-3AC711D8D5CE}"/>
               </a:ext>
             </a:extLst>
           </p:cNvPr>
@@ -20340,7 +20681,7 @@
           <p:cNvPr id="8" name="직사각형 7">
             <a:extLst>
               <a:ext uri="{FF2B5EF4-FFF2-40B4-BE49-F238E27FC236}">
-                <a16:creationId xmlns:a16="http://schemas.microsoft.com/office/drawing/2014/main" xmlns="" id="{FFF506F9-840A-0508-4CAF-3AC711D8D5CE}"/>
+                <a16:creationId xmlns="" xmlns:a16="http://schemas.microsoft.com/office/drawing/2014/main" id="{FFF506F9-840A-0508-4CAF-3AC711D8D5CE}"/>
               </a:ext>
             </a:extLst>
           </p:cNvPr>
@@ -20392,7 +20733,7 @@
           <p:cNvPr id="9" name="TextBox 8">
             <a:extLst>
               <a:ext uri="{FF2B5EF4-FFF2-40B4-BE49-F238E27FC236}">
-                <a16:creationId xmlns="" xmlns:a16="http://schemas.microsoft.com/office/drawing/2014/main" id="{C6D113C6-EA5C-788F-0C77-E7CE6EBB865F}"/>
+                <a16:creationId xmlns:a16="http://schemas.microsoft.com/office/drawing/2014/main" xmlns="" id="{C6D113C6-EA5C-788F-0C77-E7CE6EBB865F}"/>
               </a:ext>
             </a:extLst>
           </p:cNvPr>
@@ -20487,7 +20828,7 @@
           <p:cNvPr id="4" name="TextBox 3">
             <a:extLst>
               <a:ext uri="{FF2B5EF4-FFF2-40B4-BE49-F238E27FC236}">
-                <a16:creationId xmlns:a16="http://schemas.microsoft.com/office/drawing/2014/main" xmlns="" id="{5ADC00B6-990A-40DC-3CEA-505258F5E8DA}"/>
+                <a16:creationId xmlns="" xmlns:a16="http://schemas.microsoft.com/office/drawing/2014/main" id="{5ADC00B6-990A-40DC-3CEA-505258F5E8DA}"/>
               </a:ext>
             </a:extLst>
           </p:cNvPr>
@@ -20617,7 +20958,7 @@
           <p:cNvPr id="5" name="TextBox 4">
             <a:extLst>
               <a:ext uri="{FF2B5EF4-FFF2-40B4-BE49-F238E27FC236}">
-                <a16:creationId xmlns:a16="http://schemas.microsoft.com/office/drawing/2014/main" xmlns="" id="{DF7DDD33-9412-2802-339A-E55446AC2DA7}"/>
+                <a16:creationId xmlns="" xmlns:a16="http://schemas.microsoft.com/office/drawing/2014/main" id="{DF7DDD33-9412-2802-339A-E55446AC2DA7}"/>
               </a:ext>
             </a:extLst>
           </p:cNvPr>
@@ -20773,7 +21114,7 @@
           <p:cNvPr id="4" name="TextBox 3">
             <a:extLst>
               <a:ext uri="{FF2B5EF4-FFF2-40B4-BE49-F238E27FC236}">
-                <a16:creationId xmlns:a16="http://schemas.microsoft.com/office/drawing/2014/main" xmlns="" id="{DF7DDD33-9412-2802-339A-E55446AC2DA7}"/>
+                <a16:creationId xmlns="" xmlns:a16="http://schemas.microsoft.com/office/drawing/2014/main" id="{DF7DDD33-9412-2802-339A-E55446AC2DA7}"/>
               </a:ext>
             </a:extLst>
           </p:cNvPr>
